--- a/presentation/Airflow_koulutus.pptx
+++ b/presentation/Airflow_koulutus.pptx
@@ -5,27 +5,32 @@
     <p:sldMasterId id="2147483648" r:id="rId1"/>
   </p:sldMasterIdLst>
   <p:notesMasterIdLst>
-    <p:notesMasterId r:id="rId20"/>
+    <p:notesMasterId r:id="rId25"/>
   </p:notesMasterIdLst>
   <p:sldIdLst>
     <p:sldId id="256" r:id="rId2"/>
     <p:sldId id="265" r:id="rId3"/>
     <p:sldId id="267" r:id="rId4"/>
-    <p:sldId id="269" r:id="rId5"/>
-    <p:sldId id="270" r:id="rId6"/>
-    <p:sldId id="266" r:id="rId7"/>
-    <p:sldId id="268" r:id="rId8"/>
-    <p:sldId id="257" r:id="rId9"/>
-    <p:sldId id="258" r:id="rId10"/>
-    <p:sldId id="259" r:id="rId11"/>
-    <p:sldId id="260" r:id="rId12"/>
-    <p:sldId id="261" r:id="rId13"/>
-    <p:sldId id="262" r:id="rId14"/>
-    <p:sldId id="264" r:id="rId15"/>
-    <p:sldId id="263" r:id="rId16"/>
-    <p:sldId id="273" r:id="rId17"/>
-    <p:sldId id="271" r:id="rId18"/>
-    <p:sldId id="272" r:id="rId19"/>
+    <p:sldId id="276" r:id="rId5"/>
+    <p:sldId id="277" r:id="rId6"/>
+    <p:sldId id="269" r:id="rId7"/>
+    <p:sldId id="270" r:id="rId8"/>
+    <p:sldId id="266" r:id="rId9"/>
+    <p:sldId id="268" r:id="rId10"/>
+    <p:sldId id="257" r:id="rId11"/>
+    <p:sldId id="258" r:id="rId12"/>
+    <p:sldId id="259" r:id="rId13"/>
+    <p:sldId id="260" r:id="rId14"/>
+    <p:sldId id="261" r:id="rId15"/>
+    <p:sldId id="262" r:id="rId16"/>
+    <p:sldId id="264" r:id="rId17"/>
+    <p:sldId id="263" r:id="rId18"/>
+    <p:sldId id="273" r:id="rId19"/>
+    <p:sldId id="274" r:id="rId20"/>
+    <p:sldId id="271" r:id="rId21"/>
+    <p:sldId id="272" r:id="rId22"/>
+    <p:sldId id="275" r:id="rId23"/>
+    <p:sldId id="278" r:id="rId24"/>
   </p:sldIdLst>
   <p:sldSz cx="12192000" cy="6858000"/>
   <p:notesSz cx="6858000" cy="9144000"/>
@@ -214,7 +219,7 @@
           <a:p>
             <a:fld id="{EF5108F3-EA04-B14A-B98C-0A5B0F98B359}" type="datetimeFigureOut">
               <a:rPr lang="fi-FI" smtClean="0"/>
-              <a:t>19.11.2018</a:t>
+              <a:t>26.11.2018</a:t>
             </a:fld>
             <a:endParaRPr lang="fi-FI"/>
           </a:p>
@@ -648,7 +653,7 @@
           <a:p>
             <a:fld id="{FC5B573C-1E8E-5546-BC1E-50001A3D396F}" type="slidenum">
               <a:rPr lang="fi-FI" smtClean="0"/>
-              <a:t>8</a:t>
+              <a:t>10</a:t>
             </a:fld>
             <a:endParaRPr lang="fi-FI"/>
           </a:p>
@@ -762,7 +767,7 @@
           <a:effectLst/>
           <a:extLst>
             <a:ext uri="{91240B29-F687-4f45-9708-019B960494DF}">
-              <a14:hiddenLine xmlns="" xmlns:a14="http://schemas.microsoft.com/office/drawing/2010/main" w="9525">
+              <a14:hiddenLine xmlns:a14="http://schemas.microsoft.com/office/drawing/2010/main" xmlns="" w="9525">
                 <a:solidFill>
                   <a:srgbClr val="000000"/>
                 </a:solidFill>
@@ -955,7 +960,7 @@
             <a:fld id="{08B9EBBA-996F-894A-B54A-D6246ED52CEA}" type="datetimeFigureOut">
               <a:rPr lang="en-US" dirty="0"/>
               <a:pPr/>
-              <a:t>11/19/18</a:t>
+              <a:t>11/26/18</a:t>
             </a:fld>
             <a:endParaRPr lang="en-US" dirty="0"/>
           </a:p>
@@ -1270,7 +1275,7 @@
             <a:fld id="{18C79C5D-2A6F-F04D-97DA-BEF2467B64E4}" type="datetimeFigureOut">
               <a:rPr lang="en-US" dirty="0"/>
               <a:pPr/>
-              <a:t>11/19/18</a:t>
+              <a:t>11/26/18</a:t>
             </a:fld>
             <a:endParaRPr lang="en-US" dirty="0"/>
           </a:p>
@@ -1755,7 +1760,7 @@
             <a:fld id="{8DFA1846-DA80-1C48-A609-854EA85C59AD}" type="datetimeFigureOut">
               <a:rPr lang="en-US" dirty="0"/>
               <a:pPr/>
-              <a:t>11/19/18</a:t>
+              <a:t>11/26/18</a:t>
             </a:fld>
             <a:endParaRPr lang="en-US" dirty="0"/>
           </a:p>
@@ -2121,7 +2126,7 @@
             <a:fld id="{FBF54567-0DE4-3F47-BF90-CB84690072F9}" type="datetimeFigureOut">
               <a:rPr lang="en-US" dirty="0"/>
               <a:pPr/>
-              <a:t>11/19/18</a:t>
+              <a:t>11/26/18</a:t>
             </a:fld>
             <a:endParaRPr lang="en-US" dirty="0"/>
           </a:p>
@@ -2272,7 +2277,7 @@
           <a:ln/>
           <a:extLst>
             <a:ext uri="{91240B29-F687-4f45-9708-019B960494DF}">
-              <a14:hiddenLine xmlns="" xmlns:a14="http://schemas.microsoft.com/office/drawing/2010/main" w="9525">
+              <a14:hiddenLine xmlns:a14="http://schemas.microsoft.com/office/drawing/2010/main" xmlns="" w="9525">
                 <a:solidFill>
                   <a:srgbClr val="000000"/>
                 </a:solidFill>
@@ -2391,7 +2396,7 @@
             <a:fld id="{C6C52C72-DE31-F449-A4ED-4C594FD91407}" type="datetimeFigureOut">
               <a:rPr lang="en-US" dirty="0"/>
               <a:pPr/>
-              <a:t>11/19/18</a:t>
+              <a:t>11/26/18</a:t>
             </a:fld>
             <a:endParaRPr lang="en-US" dirty="0"/>
           </a:p>
@@ -2544,7 +2549,7 @@
           <a:ln/>
           <a:extLst>
             <a:ext uri="{91240B29-F687-4f45-9708-019B960494DF}">
-              <a14:hiddenLine xmlns="" xmlns:a14="http://schemas.microsoft.com/office/drawing/2010/main" w="9525">
+              <a14:hiddenLine xmlns:a14="http://schemas.microsoft.com/office/drawing/2010/main" xmlns="" w="9525">
                 <a:solidFill>
                   <a:srgbClr val="000000"/>
                 </a:solidFill>
@@ -2673,7 +2678,7 @@
             <a:fld id="{ED62726E-379B-B349-9EED-81ED093FA806}" type="datetimeFigureOut">
               <a:rPr lang="en-US" dirty="0"/>
               <a:pPr/>
-              <a:t>11/19/18</a:t>
+              <a:t>11/26/18</a:t>
             </a:fld>
             <a:endParaRPr lang="en-US" dirty="0"/>
           </a:p>
@@ -2824,7 +2829,7 @@
           <a:ln/>
           <a:extLst>
             <a:ext uri="{91240B29-F687-4f45-9708-019B960494DF}">
-              <a14:hiddenLine xmlns="" xmlns:a14="http://schemas.microsoft.com/office/drawing/2010/main" w="9525">
+              <a14:hiddenLine xmlns:a14="http://schemas.microsoft.com/office/drawing/2010/main" xmlns="" w="9525">
                 <a:solidFill>
                   <a:srgbClr val="000000"/>
                 </a:solidFill>
@@ -2953,7 +2958,7 @@
             <a:fld id="{9B3A1323-8D79-1946-B0D7-40001CF92E9D}" type="datetimeFigureOut">
               <a:rPr lang="en-US" dirty="0"/>
               <a:pPr/>
-              <a:t>11/19/18</a:t>
+              <a:t>11/26/18</a:t>
             </a:fld>
             <a:endParaRPr lang="en-US" dirty="0"/>
           </a:p>
@@ -3293,7 +3298,7 @@
             <a:fld id="{8DFA1846-DA80-1C48-A609-854EA85C59AD}" type="datetimeFigureOut">
               <a:rPr lang="en-US" dirty="0"/>
               <a:pPr/>
-              <a:t>11/19/18</a:t>
+              <a:t>11/26/18</a:t>
             </a:fld>
             <a:endParaRPr lang="en-US" dirty="0"/>
           </a:p>
@@ -3444,7 +3449,7 @@
           <a:ln/>
           <a:extLst>
             <a:ext uri="{91240B29-F687-4f45-9708-019B960494DF}">
-              <a14:hiddenLine xmlns="" xmlns:a14="http://schemas.microsoft.com/office/drawing/2010/main" w="9525">
+              <a14:hiddenLine xmlns:a14="http://schemas.microsoft.com/office/drawing/2010/main" xmlns="" w="9525">
                 <a:solidFill>
                   <a:srgbClr val="000000"/>
                 </a:solidFill>
@@ -3629,7 +3634,7 @@
             <a:fld id="{57302355-E14B-8545-A8F8-0FE83CC9D524}" type="datetimeFigureOut">
               <a:rPr lang="en-US" dirty="0"/>
               <a:pPr/>
-              <a:t>11/19/18</a:t>
+              <a:t>11/26/18</a:t>
             </a:fld>
             <a:endParaRPr lang="en-US" dirty="0"/>
           </a:p>
@@ -3780,7 +3785,7 @@
           <a:ln/>
           <a:extLst>
             <a:ext uri="{91240B29-F687-4f45-9708-019B960494DF}">
-              <a14:hiddenLine xmlns="" xmlns:a14="http://schemas.microsoft.com/office/drawing/2010/main" w="9525">
+              <a14:hiddenLine xmlns:a14="http://schemas.microsoft.com/office/drawing/2010/main" xmlns="" w="9525">
                 <a:solidFill>
                   <a:srgbClr val="000000"/>
                 </a:solidFill>
@@ -4103,7 +4108,7 @@
             <a:fld id="{02640F58-564D-2B4F-AE67-E407BA4FCF45}" type="datetimeFigureOut">
               <a:rPr lang="en-US" dirty="0"/>
               <a:pPr/>
-              <a:t>11/19/18</a:t>
+              <a:t>11/26/18</a:t>
             </a:fld>
             <a:endParaRPr lang="en-US" dirty="0"/>
           </a:p>
@@ -4254,7 +4259,7 @@
           <a:ln/>
           <a:extLst>
             <a:ext uri="{91240B29-F687-4f45-9708-019B960494DF}">
-              <a14:hiddenLine xmlns="" xmlns:a14="http://schemas.microsoft.com/office/drawing/2010/main" w="9525">
+              <a14:hiddenLine xmlns:a14="http://schemas.microsoft.com/office/drawing/2010/main" xmlns="" w="9525">
                 <a:solidFill>
                   <a:srgbClr val="000000"/>
                 </a:solidFill>
@@ -4321,7 +4326,7 @@
             <a:fld id="{F13A34C8-038E-2045-AF43-DF7DBB8E0E9E}" type="datetimeFigureOut">
               <a:rPr lang="en-US" dirty="0"/>
               <a:pPr/>
-              <a:t>11/19/18</a:t>
+              <a:t>11/26/18</a:t>
             </a:fld>
             <a:endParaRPr lang="en-US" dirty="0"/>
           </a:p>
@@ -4413,7 +4418,7 @@
             <a:fld id="{8818C68F-D26B-8F47-958C-23B49CF8A634}" type="datetimeFigureOut">
               <a:rPr lang="en-US" dirty="0"/>
               <a:pPr/>
-              <a:t>11/19/18</a:t>
+              <a:t>11/26/18</a:t>
             </a:fld>
             <a:endParaRPr lang="en-US" dirty="0"/>
           </a:p>
@@ -4677,7 +4682,7 @@
           <a:ln/>
           <a:extLst>
             <a:ext uri="{91240B29-F687-4f45-9708-019B960494DF}">
-              <a14:hiddenLine xmlns="" xmlns:a14="http://schemas.microsoft.com/office/drawing/2010/main" w="9525">
+              <a14:hiddenLine xmlns:a14="http://schemas.microsoft.com/office/drawing/2010/main" xmlns="" w="9525">
                 <a:solidFill>
                   <a:srgbClr val="000000"/>
                 </a:solidFill>
@@ -4877,7 +4882,7 @@
             <a:fld id="{D0DF5E60-9974-AC48-9591-99C2BB44B7CF}" type="datetimeFigureOut">
               <a:rPr lang="en-US" dirty="0"/>
               <a:pPr/>
-              <a:t>11/19/18</a:t>
+              <a:t>11/26/18</a:t>
             </a:fld>
             <a:endParaRPr lang="en-US" dirty="0"/>
           </a:p>
@@ -5187,7 +5192,7 @@
             <a:fld id="{18C79C5D-2A6F-F04D-97DA-BEF2467B64E4}" type="datetimeFigureOut">
               <a:rPr lang="en-US" dirty="0"/>
               <a:pPr/>
-              <a:t>11/19/18</a:t>
+              <a:t>11/26/18</a:t>
             </a:fld>
             <a:endParaRPr lang="en-US" dirty="0"/>
           </a:p>
@@ -5454,7 +5459,7 @@
             <a:fld id="{09B482E8-6E0E-1B4F-B1FD-C69DB9E858D9}" type="datetimeFigureOut">
               <a:rPr lang="en-US" dirty="0"/>
               <a:pPr/>
-              <a:t>11/19/18</a:t>
+              <a:t>11/26/18</a:t>
             </a:fld>
             <a:endParaRPr lang="en-US" dirty="0"/>
           </a:p>
@@ -6000,7 +6005,7 @@
           <p:cNvPr id="2" name="Title 1">
             <a:extLst>
               <a:ext uri="{FF2B5EF4-FFF2-40B4-BE49-F238E27FC236}">
-                <a16:creationId xmlns:a16="http://schemas.microsoft.com/office/drawing/2014/main" id="{D86F05CC-40D7-8140-AD12-9D61E94FD4F4}"/>
+                <a16:creationId xmlns:a16="http://schemas.microsoft.com/office/drawing/2014/main" id="{99605D5B-5B49-9B48-92EF-410EA8835A8C}"/>
               </a:ext>
             </a:extLst>
           </p:cNvPr>
@@ -6017,9 +6022,18 @@
           <a:lstStyle/>
           <a:p>
             <a:r>
-              <a:rPr lang="fi-FI" dirty="0"/>
-              <a:t>DAG</a:t>
-            </a:r>
+              <a:rPr lang="fi-FI" dirty="0" err="1"/>
+              <a:t>Apache</a:t>
+            </a:r>
+            <a:r>
+              <a:rPr lang="fi-FI" dirty="0"/>
+              <a:t> </a:t>
+            </a:r>
+            <a:r>
+              <a:rPr lang="fi-FI" dirty="0" err="1"/>
+              <a:t>Airflow</a:t>
+            </a:r>
+            <a:endParaRPr lang="fi-FI" dirty="0"/>
           </a:p>
         </p:txBody>
       </p:sp>
@@ -6028,7 +6042,7 @@
           <p:cNvPr id="3" name="Content Placeholder 2">
             <a:extLst>
               <a:ext uri="{FF2B5EF4-FFF2-40B4-BE49-F238E27FC236}">
-                <a16:creationId xmlns:a16="http://schemas.microsoft.com/office/drawing/2014/main" id="{6BA16193-0CCD-844F-90BC-F950C5A5BADE}"/>
+                <a16:creationId xmlns:a16="http://schemas.microsoft.com/office/drawing/2014/main" id="{BE358D29-1B9A-F948-9631-61BFBBA02C4E}"/>
               </a:ext>
             </a:extLst>
           </p:cNvPr>
@@ -6046,89 +6060,70 @@
           <a:p>
             <a:r>
               <a:rPr lang="fi-FI" dirty="0"/>
-              <a:t>kokoelma tehtäviä, jotka halutaan ajaa jossain tietyssä järjestyksessä, tietyillä ehdoilla</a:t>
-            </a:r>
-          </a:p>
-          <a:p>
-            <a:r>
-              <a:rPr lang="fi-FI" dirty="0" err="1"/>
-              <a:t>Directed</a:t>
+              <a:t>työnkulkujen (</a:t>
+            </a:r>
+            <a:r>
+              <a:rPr lang="fi-FI" dirty="0" err="1"/>
+              <a:t>workflow</a:t>
+            </a:r>
+            <a:r>
+              <a:rPr lang="fi-FI" dirty="0"/>
+              <a:t>) luomiseen, ajastamiseen ja hallinnointiin tarkoitettu alusta</a:t>
+            </a:r>
+          </a:p>
+          <a:p>
+            <a:r>
+              <a:rPr lang="fi-FI" dirty="0" err="1"/>
+              <a:t>workflow</a:t>
             </a:r>
             <a:r>
               <a:rPr lang="fi-FI" dirty="0"/>
               <a:t> </a:t>
             </a:r>
             <a:r>
-              <a:rPr lang="fi-FI" dirty="0" err="1"/>
-              <a:t>Acyclic</a:t>
-            </a:r>
-            <a:r>
-              <a:rPr lang="fi-FI" dirty="0"/>
-              <a:t> </a:t>
-            </a:r>
-            <a:r>
-              <a:rPr lang="fi-FI" dirty="0" err="1"/>
-              <a:t>Graph</a:t>
-            </a:r>
-            <a:r>
-              <a:rPr lang="fi-FI" dirty="0"/>
-              <a:t>, suunnattu syklitön verkko</a:t>
-            </a:r>
-          </a:p>
-          <a:p>
-            <a:pPr lvl="1"/>
-            <a:r>
-              <a:rPr lang="fi-FI" dirty="0"/>
-              <a:t>yksittäisessä solmussa vieraillaan enintään kerran</a:t>
-            </a:r>
-          </a:p>
-          <a:p>
-            <a:pPr lvl="1"/>
-            <a:r>
-              <a:rPr lang="fi-FI" dirty="0"/>
-              <a:t>solmut järjestetty topologisesti</a:t>
-            </a:r>
-          </a:p>
-          <a:p>
-            <a:pPr lvl="1"/>
-            <a:r>
-              <a:rPr lang="fi-FI" dirty="0"/>
-              <a:t>riippuvuudet suoritetaan ensin</a:t>
-            </a:r>
-          </a:p>
-          <a:p>
-            <a:r>
-              <a:rPr lang="fi-FI" dirty="0" err="1"/>
-              <a:t>DAG:n</a:t>
-            </a:r>
-            <a:r>
-              <a:rPr lang="fi-FI" dirty="0"/>
-              <a:t> avulla mallinnetaan työnkulun töiden järjestys ja riippuvuussuhteet</a:t>
-            </a:r>
-          </a:p>
-          <a:p>
-            <a:r>
-              <a:rPr lang="fi-FI" dirty="0"/>
-              <a:t>lisäksi määritetään, milloin halutaan ajettavan (</a:t>
-            </a:r>
+              <a:rPr lang="fi-FI" i="1" dirty="0"/>
+              <a:t>määritellään</a:t>
+            </a:r>
+            <a:r>
+              <a:rPr lang="fi-FI" dirty="0"/>
+              <a:t> koodina</a:t>
+            </a:r>
+          </a:p>
+          <a:p>
             <a:r>
               <a:rPr lang="fi-FI" dirty="0" err="1"/>
               <a:t>cron</a:t>
             </a:r>
             <a:r>
               <a:rPr lang="fi-FI" dirty="0"/>
-              <a:t>-tyyliin)</a:t>
-            </a:r>
-          </a:p>
-          <a:p>
+              <a:t>-on-</a:t>
+            </a:r>
+            <a:r>
+              <a:rPr lang="fi-FI" dirty="0" err="1"/>
+              <a:t>steroids</a:t>
+            </a:r>
             <a:endParaRPr lang="fi-FI" dirty="0"/>
+          </a:p>
+          <a:p>
+            <a:r>
+              <a:rPr lang="fi-FI" dirty="0"/>
+              <a:t>työt monitoroitavissa  ja hallinnoitavissa </a:t>
+            </a:r>
+            <a:r>
+              <a:rPr lang="fi-FI" dirty="0" err="1"/>
+              <a:t>webbikäyttöliittymän</a:t>
+            </a:r>
+            <a:r>
+              <a:rPr lang="fi-FI" dirty="0"/>
+              <a:t> avulla</a:t>
+            </a:r>
           </a:p>
         </p:txBody>
       </p:sp>
     </p:spTree>
     <p:extLst>
       <p:ext uri="{BB962C8B-B14F-4D97-AF65-F5344CB8AC3E}">
-        <p14:creationId xmlns:p14="http://schemas.microsoft.com/office/powerpoint/2010/main" val="2952593089"/>
+        <p14:creationId xmlns:p14="http://schemas.microsoft.com/office/powerpoint/2010/main" val="89648473"/>
       </p:ext>
     </p:extLst>
   </p:cSld>
@@ -6160,7 +6155,7 @@
           <p:cNvPr id="2" name="Title 1">
             <a:extLst>
               <a:ext uri="{FF2B5EF4-FFF2-40B4-BE49-F238E27FC236}">
-                <a16:creationId xmlns:a16="http://schemas.microsoft.com/office/drawing/2014/main" id="{57B34D8F-103C-C340-BFE6-56D42C9C36B1}"/>
+                <a16:creationId xmlns:a16="http://schemas.microsoft.com/office/drawing/2014/main" id="{382F8F47-B500-CD46-B123-61364CE73F2E}"/>
               </a:ext>
             </a:extLst>
           </p:cNvPr>
@@ -6177,48 +6172,45 @@
           <a:lstStyle/>
           <a:p>
             <a:r>
-              <a:rPr lang="fi-FI" dirty="0" err="1"/>
-              <a:t>DAG:t</a:t>
-            </a:r>
-            <a:r>
-              <a:rPr lang="fi-FI" dirty="0"/>
-              <a:t> koodina</a:t>
-            </a:r>
-          </a:p>
-        </p:txBody>
-      </p:sp>
-      <p:sp>
-        <p:nvSpPr>
-          <p:cNvPr id="3" name="Content Placeholder 2">
+              <a:rPr lang="fi-FI" dirty="0"/>
+              <a:t>DAG</a:t>
+            </a:r>
+          </a:p>
+        </p:txBody>
+      </p:sp>
+      <p:pic>
+        <p:nvPicPr>
+          <p:cNvPr id="9" name="Content Placeholder 8">
             <a:extLst>
               <a:ext uri="{FF2B5EF4-FFF2-40B4-BE49-F238E27FC236}">
-                <a16:creationId xmlns:a16="http://schemas.microsoft.com/office/drawing/2014/main" id="{1624FBF3-4BD5-5640-A388-8666E07CF6B5}"/>
+                <a16:creationId xmlns:a16="http://schemas.microsoft.com/office/drawing/2014/main" id="{9A0B3956-95FB-E046-9A61-CE2F281043EF}"/>
               </a:ext>
             </a:extLst>
           </p:cNvPr>
-          <p:cNvSpPr>
-            <a:spLocks noGrp="1"/>
-          </p:cNvSpPr>
+          <p:cNvPicPr>
+            <a:picLocks noGrp="1" noChangeAspect="1"/>
+          </p:cNvPicPr>
           <p:nvPr>
             <p:ph idx="1"/>
           </p:nvPr>
-        </p:nvSpPr>
-        <p:spPr/>
-        <p:txBody>
-          <a:bodyPr/>
-          <a:lstStyle/>
-          <a:p>
-            <a:r>
-              <a:rPr lang="fi-FI" dirty="0"/>
-              <a:t>KUVA TÄHÄN</a:t>
-            </a:r>
-          </a:p>
-        </p:txBody>
-      </p:sp>
+        </p:nvPicPr>
+        <p:blipFill>
+          <a:blip r:embed="rId2"/>
+          <a:stretch>
+            <a:fillRect/>
+          </a:stretch>
+        </p:blipFill>
+        <p:spPr>
+          <a:xfrm>
+            <a:off x="2412999" y="2804447"/>
+            <a:ext cx="7366000" cy="3263900"/>
+          </a:xfrm>
+        </p:spPr>
+      </p:pic>
     </p:spTree>
     <p:extLst>
       <p:ext uri="{BB962C8B-B14F-4D97-AF65-F5344CB8AC3E}">
-        <p14:creationId xmlns:p14="http://schemas.microsoft.com/office/powerpoint/2010/main" val="491222364"/>
+        <p14:creationId xmlns:p14="http://schemas.microsoft.com/office/powerpoint/2010/main" val="100876638"/>
       </p:ext>
     </p:extLst>
   </p:cSld>
@@ -6250,7 +6242,7 @@
           <p:cNvPr id="2" name="Title 1">
             <a:extLst>
               <a:ext uri="{FF2B5EF4-FFF2-40B4-BE49-F238E27FC236}">
-                <a16:creationId xmlns:a16="http://schemas.microsoft.com/office/drawing/2014/main" id="{08A5565D-9CB1-394D-9910-A3D13AB5430C}"/>
+                <a16:creationId xmlns:a16="http://schemas.microsoft.com/office/drawing/2014/main" id="{D86F05CC-40D7-8140-AD12-9D61E94FD4F4}"/>
               </a:ext>
             </a:extLst>
           </p:cNvPr>
@@ -6267,12 +6259,8 @@
           <a:lstStyle/>
           <a:p>
             <a:r>
-              <a:rPr lang="fi-FI" dirty="0" err="1"/>
-              <a:t>DAG:t</a:t>
-            </a:r>
-            <a:r>
-              <a:rPr lang="fi-FI" dirty="0"/>
-              <a:t> koodina</a:t>
+              <a:rPr lang="fi-FI" dirty="0"/>
+              <a:t>DAG</a:t>
             </a:r>
           </a:p>
         </p:txBody>
@@ -6282,7 +6270,7 @@
           <p:cNvPr id="3" name="Content Placeholder 2">
             <a:extLst>
               <a:ext uri="{FF2B5EF4-FFF2-40B4-BE49-F238E27FC236}">
-                <a16:creationId xmlns:a16="http://schemas.microsoft.com/office/drawing/2014/main" id="{9BE4EB23-A977-8941-94AD-4CF92B9EE3DB}"/>
+                <a16:creationId xmlns:a16="http://schemas.microsoft.com/office/drawing/2014/main" id="{6BA16193-0CCD-844F-90BC-F950C5A5BADE}"/>
               </a:ext>
             </a:extLst>
           </p:cNvPr>
@@ -6299,30 +6287,14 @@
           <a:lstStyle/>
           <a:p>
             <a:r>
-              <a:rPr lang="fi-FI" i="1" dirty="0"/>
-              <a:t>konfiguraatio </a:t>
-            </a:r>
-            <a:r>
-              <a:rPr lang="fi-FI" dirty="0"/>
-              <a:t>Python-koodina</a:t>
-            </a:r>
-          </a:p>
-          <a:p>
-            <a:r>
-              <a:rPr lang="fi-FI" dirty="0"/>
-              <a:t>data </a:t>
-            </a:r>
-            <a:r>
-              <a:rPr lang="fi-FI" dirty="0" err="1"/>
-              <a:t>scientisteilla</a:t>
-            </a:r>
-            <a:r>
-              <a:rPr lang="fi-FI" dirty="0"/>
-              <a:t> ja muilla ei-</a:t>
-            </a:r>
-            <a:r>
-              <a:rPr lang="fi-FI" dirty="0" err="1"/>
-              <a:t>softadevaajilla</a:t>
+              <a:rPr lang="fi-FI" dirty="0"/>
+              <a:t>kokoelma tehtäviä, jotka halutaan ajaa jossain tietyssä järjestyksessä, tietyillä ehdoilla</a:t>
+            </a:r>
+          </a:p>
+          <a:p>
+            <a:r>
+              <a:rPr lang="fi-FI" dirty="0" err="1"/>
+              <a:t>Directed</a:t>
             </a:r>
             <a:r>
               <a:rPr lang="fi-FI" dirty="0"/>
@@ -6330,62 +6302,76 @@
             </a:r>
             <a:r>
               <a:rPr lang="fi-FI" dirty="0" err="1"/>
-              <a:t>matalempi</a:t>
-            </a:r>
-            <a:r>
-              <a:rPr lang="fi-FI" dirty="0"/>
-              <a:t> kynnys automatisoida töitään</a:t>
-            </a:r>
-          </a:p>
-          <a:p>
-            <a:r>
-              <a:rPr lang="fi-FI" dirty="0"/>
-              <a:t>Pythonin laaja kirjastojen kirjo käytettävissä</a:t>
-            </a:r>
-          </a:p>
-          <a:p>
-            <a:r>
-              <a:rPr lang="fi-FI" dirty="0"/>
-              <a:t>itse</a:t>
-            </a:r>
-            <a:r>
-              <a:rPr lang="fi-FI" i="1" dirty="0"/>
-              <a:t> laskenta</a:t>
-            </a:r>
-            <a:r>
-              <a:rPr lang="fi-FI" dirty="0"/>
-              <a:t> voidaan suorittaa muussa ympäristössä tai palvelussa</a:t>
+              <a:t>Acyclic</a:t>
+            </a:r>
+            <a:r>
+              <a:rPr lang="fi-FI" dirty="0"/>
+              <a:t> </a:t>
+            </a:r>
+            <a:r>
+              <a:rPr lang="fi-FI" dirty="0" err="1"/>
+              <a:t>Graph</a:t>
+            </a:r>
+            <a:r>
+              <a:rPr lang="fi-FI" dirty="0"/>
+              <a:t>, suunnattu syklitön verkko</a:t>
             </a:r>
           </a:p>
           <a:p>
             <a:pPr lvl="1"/>
             <a:r>
               <a:rPr lang="fi-FI" dirty="0"/>
-              <a:t>kattavat </a:t>
-            </a:r>
-            <a:r>
-              <a:rPr lang="fi-FI" dirty="0" err="1"/>
-              <a:t>API:t</a:t>
-            </a:r>
-            <a:r>
-              <a:rPr lang="fi-FI" dirty="0"/>
-              <a:t> pilvipalveluihin</a:t>
+              <a:t>yksittäisessä solmussa vieraillaan enintään kerran</a:t>
             </a:r>
           </a:p>
           <a:p>
             <a:pPr lvl="1"/>
-            <a:endParaRPr lang="fi-FI" dirty="0"/>
+            <a:r>
+              <a:rPr lang="fi-FI" dirty="0"/>
+              <a:t>solmut järjestetty topologisesti</a:t>
+            </a:r>
           </a:p>
           <a:p>
             <a:pPr lvl="1"/>
-            <a:endParaRPr lang="fi-FI" dirty="0"/>
+            <a:r>
+              <a:rPr lang="fi-FI" dirty="0"/>
+              <a:t>riippuvuudet suoritetaan ensin</a:t>
+            </a:r>
+          </a:p>
+          <a:p>
+            <a:r>
+              <a:rPr lang="fi-FI" dirty="0" err="1"/>
+              <a:t>DAG:n</a:t>
+            </a:r>
+            <a:r>
+              <a:rPr lang="fi-FI" dirty="0"/>
+              <a:t> avulla mallinnetaan työnkulun töiden järjestys ja riippuvuussuhteet</a:t>
+            </a:r>
+          </a:p>
+          <a:p>
+            <a:r>
+              <a:rPr lang="fi-FI" dirty="0" err="1"/>
+              <a:t>DAG:t</a:t>
+            </a:r>
+            <a:r>
+              <a:rPr lang="fi-FI" dirty="0"/>
+              <a:t> ajastetaan ajettavaksi johonkin aikaan (</a:t>
+            </a:r>
+            <a:r>
+              <a:rPr lang="fi-FI" dirty="0" err="1"/>
+              <a:t>cron</a:t>
+            </a:r>
+            <a:r>
+              <a:rPr lang="fi-FI" dirty="0"/>
+              <a:t>-tyyliin, esim. päivittäin tai joka toinen tunti varttia yli)</a:t>
+            </a:r>
           </a:p>
         </p:txBody>
       </p:sp>
     </p:spTree>
     <p:extLst>
       <p:ext uri="{BB962C8B-B14F-4D97-AF65-F5344CB8AC3E}">
-        <p14:creationId xmlns:p14="http://schemas.microsoft.com/office/powerpoint/2010/main" val="3149668473"/>
+        <p14:creationId xmlns:p14="http://schemas.microsoft.com/office/powerpoint/2010/main" val="2952593089"/>
       </p:ext>
     </p:extLst>
   </p:cSld>
@@ -6417,6 +6403,255 @@
           <p:cNvPr id="2" name="Title 1">
             <a:extLst>
               <a:ext uri="{FF2B5EF4-FFF2-40B4-BE49-F238E27FC236}">
+                <a16:creationId xmlns:a16="http://schemas.microsoft.com/office/drawing/2014/main" id="{57B34D8F-103C-C340-BFE6-56D42C9C36B1}"/>
+              </a:ext>
+            </a:extLst>
+          </p:cNvPr>
+          <p:cNvSpPr>
+            <a:spLocks noGrp="1"/>
+          </p:cNvSpPr>
+          <p:nvPr>
+            <p:ph type="title"/>
+          </p:nvPr>
+        </p:nvSpPr>
+        <p:spPr/>
+        <p:txBody>
+          <a:bodyPr/>
+          <a:lstStyle/>
+          <a:p>
+            <a:r>
+              <a:rPr lang="fi-FI" dirty="0" err="1"/>
+              <a:t>DAG:t</a:t>
+            </a:r>
+            <a:r>
+              <a:rPr lang="fi-FI" dirty="0"/>
+              <a:t> koodina</a:t>
+            </a:r>
+          </a:p>
+        </p:txBody>
+      </p:sp>
+      <p:sp>
+        <p:nvSpPr>
+          <p:cNvPr id="3" name="Content Placeholder 2">
+            <a:extLst>
+              <a:ext uri="{FF2B5EF4-FFF2-40B4-BE49-F238E27FC236}">
+                <a16:creationId xmlns:a16="http://schemas.microsoft.com/office/drawing/2014/main" id="{1624FBF3-4BD5-5640-A388-8666E07CF6B5}"/>
+              </a:ext>
+            </a:extLst>
+          </p:cNvPr>
+          <p:cNvSpPr>
+            <a:spLocks noGrp="1"/>
+          </p:cNvSpPr>
+          <p:nvPr>
+            <p:ph idx="1"/>
+          </p:nvPr>
+        </p:nvSpPr>
+        <p:spPr/>
+        <p:txBody>
+          <a:bodyPr/>
+          <a:lstStyle/>
+          <a:p>
+            <a:r>
+              <a:rPr lang="fi-FI" dirty="0"/>
+              <a:t>KUVA TÄHÄN</a:t>
+            </a:r>
+          </a:p>
+        </p:txBody>
+      </p:sp>
+    </p:spTree>
+    <p:extLst>
+      <p:ext uri="{BB962C8B-B14F-4D97-AF65-F5344CB8AC3E}">
+        <p14:creationId xmlns:p14="http://schemas.microsoft.com/office/powerpoint/2010/main" val="491222364"/>
+      </p:ext>
+    </p:extLst>
+  </p:cSld>
+  <p:clrMapOvr>
+    <a:masterClrMapping/>
+  </p:clrMapOvr>
+</p:sld>
+</file>
+
+<file path=ppt/slides/slide14.xml><?xml version="1.0" encoding="utf-8"?>
+<p:sld xmlns:a="http://schemas.openxmlformats.org/drawingml/2006/main" xmlns:r="http://schemas.openxmlformats.org/officeDocument/2006/relationships" xmlns:p="http://schemas.openxmlformats.org/presentationml/2006/main">
+  <p:cSld>
+    <p:spTree>
+      <p:nvGrpSpPr>
+        <p:cNvPr id="1" name=""/>
+        <p:cNvGrpSpPr/>
+        <p:nvPr/>
+      </p:nvGrpSpPr>
+      <p:grpSpPr>
+        <a:xfrm>
+          <a:off x="0" y="0"/>
+          <a:ext cx="0" cy="0"/>
+          <a:chOff x="0" y="0"/>
+          <a:chExt cx="0" cy="0"/>
+        </a:xfrm>
+      </p:grpSpPr>
+      <p:sp>
+        <p:nvSpPr>
+          <p:cNvPr id="2" name="Title 1">
+            <a:extLst>
+              <a:ext uri="{FF2B5EF4-FFF2-40B4-BE49-F238E27FC236}">
+                <a16:creationId xmlns:a16="http://schemas.microsoft.com/office/drawing/2014/main" id="{08A5565D-9CB1-394D-9910-A3D13AB5430C}"/>
+              </a:ext>
+            </a:extLst>
+          </p:cNvPr>
+          <p:cNvSpPr>
+            <a:spLocks noGrp="1"/>
+          </p:cNvSpPr>
+          <p:nvPr>
+            <p:ph type="title"/>
+          </p:nvPr>
+        </p:nvSpPr>
+        <p:spPr/>
+        <p:txBody>
+          <a:bodyPr/>
+          <a:lstStyle/>
+          <a:p>
+            <a:r>
+              <a:rPr lang="fi-FI" dirty="0" err="1"/>
+              <a:t>DAG:t</a:t>
+            </a:r>
+            <a:r>
+              <a:rPr lang="fi-FI" dirty="0"/>
+              <a:t> koodina</a:t>
+            </a:r>
+          </a:p>
+        </p:txBody>
+      </p:sp>
+      <p:sp>
+        <p:nvSpPr>
+          <p:cNvPr id="3" name="Content Placeholder 2">
+            <a:extLst>
+              <a:ext uri="{FF2B5EF4-FFF2-40B4-BE49-F238E27FC236}">
+                <a16:creationId xmlns:a16="http://schemas.microsoft.com/office/drawing/2014/main" id="{9BE4EB23-A977-8941-94AD-4CF92B9EE3DB}"/>
+              </a:ext>
+            </a:extLst>
+          </p:cNvPr>
+          <p:cNvSpPr>
+            <a:spLocks noGrp="1"/>
+          </p:cNvSpPr>
+          <p:nvPr>
+            <p:ph idx="1"/>
+          </p:nvPr>
+        </p:nvSpPr>
+        <p:spPr/>
+        <p:txBody>
+          <a:bodyPr/>
+          <a:lstStyle/>
+          <a:p>
+            <a:r>
+              <a:rPr lang="fi-FI" i="1" dirty="0"/>
+              <a:t>konfiguraatio </a:t>
+            </a:r>
+            <a:r>
+              <a:rPr lang="fi-FI" dirty="0"/>
+              <a:t>Python-koodina</a:t>
+            </a:r>
+          </a:p>
+          <a:p>
+            <a:r>
+              <a:rPr lang="fi-FI" dirty="0"/>
+              <a:t>data </a:t>
+            </a:r>
+            <a:r>
+              <a:rPr lang="fi-FI" dirty="0" err="1"/>
+              <a:t>scientisteilla</a:t>
+            </a:r>
+            <a:r>
+              <a:rPr lang="fi-FI" dirty="0"/>
+              <a:t> ja muilla ei-</a:t>
+            </a:r>
+            <a:r>
+              <a:rPr lang="fi-FI" dirty="0" err="1"/>
+              <a:t>softadevaajilla</a:t>
+            </a:r>
+            <a:r>
+              <a:rPr lang="fi-FI" dirty="0"/>
+              <a:t> matalampi kynnys automatisoida töitään</a:t>
+            </a:r>
+          </a:p>
+          <a:p>
+            <a:r>
+              <a:rPr lang="fi-FI" dirty="0"/>
+              <a:t>Pythonin laaja kirjastojen kirjo käytettävissä</a:t>
+            </a:r>
+          </a:p>
+          <a:p>
+            <a:r>
+              <a:rPr lang="fi-FI" dirty="0"/>
+              <a:t>itse</a:t>
+            </a:r>
+            <a:r>
+              <a:rPr lang="fi-FI" i="1" dirty="0"/>
+              <a:t> laskenta</a:t>
+            </a:r>
+            <a:r>
+              <a:rPr lang="fi-FI" dirty="0"/>
+              <a:t> voidaan suorittaa muussa ympäristössä tai palvelussa</a:t>
+            </a:r>
+          </a:p>
+          <a:p>
+            <a:pPr lvl="1"/>
+            <a:r>
+              <a:rPr lang="fi-FI" dirty="0"/>
+              <a:t>kattavat </a:t>
+            </a:r>
+            <a:r>
+              <a:rPr lang="fi-FI" dirty="0" err="1"/>
+              <a:t>API:t</a:t>
+            </a:r>
+            <a:r>
+              <a:rPr lang="fi-FI" dirty="0"/>
+              <a:t> pilvipalveluihin</a:t>
+            </a:r>
+          </a:p>
+          <a:p>
+            <a:pPr lvl="1"/>
+            <a:endParaRPr lang="fi-FI" dirty="0"/>
+          </a:p>
+          <a:p>
+            <a:pPr lvl="1"/>
+            <a:endParaRPr lang="fi-FI" dirty="0"/>
+          </a:p>
+        </p:txBody>
+      </p:sp>
+    </p:spTree>
+    <p:extLst>
+      <p:ext uri="{BB962C8B-B14F-4D97-AF65-F5344CB8AC3E}">
+        <p14:creationId xmlns:p14="http://schemas.microsoft.com/office/powerpoint/2010/main" val="3149668473"/>
+      </p:ext>
+    </p:extLst>
+  </p:cSld>
+  <p:clrMapOvr>
+    <a:masterClrMapping/>
+  </p:clrMapOvr>
+</p:sld>
+</file>
+
+<file path=ppt/slides/slide15.xml><?xml version="1.0" encoding="utf-8"?>
+<p:sld xmlns:a="http://schemas.openxmlformats.org/drawingml/2006/main" xmlns:r="http://schemas.openxmlformats.org/officeDocument/2006/relationships" xmlns:p="http://schemas.openxmlformats.org/presentationml/2006/main">
+  <p:cSld>
+    <p:spTree>
+      <p:nvGrpSpPr>
+        <p:cNvPr id="1" name=""/>
+        <p:cNvGrpSpPr/>
+        <p:nvPr/>
+      </p:nvGrpSpPr>
+      <p:grpSpPr>
+        <a:xfrm>
+          <a:off x="0" y="0"/>
+          <a:ext cx="0" cy="0"/>
+          <a:chOff x="0" y="0"/>
+          <a:chExt cx="0" cy="0"/>
+        </a:xfrm>
+      </p:grpSpPr>
+      <p:sp>
+        <p:nvSpPr>
+          <p:cNvPr id="2" name="Title 1">
+            <a:extLst>
+              <a:ext uri="{FF2B5EF4-FFF2-40B4-BE49-F238E27FC236}">
                 <a16:creationId xmlns:a16="http://schemas.microsoft.com/office/drawing/2014/main" id="{F873852C-D7A7-3A4E-861F-48BE794C53E3}"/>
               </a:ext>
             </a:extLst>
@@ -6458,7 +6693,9 @@
         </p:nvSpPr>
         <p:spPr/>
         <p:txBody>
-          <a:bodyPr/>
+          <a:bodyPr>
+            <a:normAutofit lnSpcReduction="10000"/>
+          </a:bodyPr>
           <a:lstStyle/>
           <a:p>
             <a:r>
@@ -6556,12 +6793,29 @@
               <a:rPr lang="fi-FI" dirty="0" err="1"/>
               <a:t>MongoDB</a:t>
             </a:r>
-            <a:endParaRPr lang="fi-FI" dirty="0"/>
+            <a:r>
+              <a:rPr lang="fi-FI" dirty="0"/>
+              <a:t> jne.</a:t>
+            </a:r>
           </a:p>
           <a:p>
             <a:r>
               <a:rPr lang="fi-FI" dirty="0"/>
               <a:t>laajat konfiguraatiomahdollisuudet</a:t>
+            </a:r>
+          </a:p>
+          <a:p>
+            <a:r>
+              <a:rPr lang="fi-FI" dirty="0"/>
+              <a:t>sisältää usein ”koukun” (</a:t>
+            </a:r>
+            <a:r>
+              <a:rPr lang="fi-FI" dirty="0" err="1"/>
+              <a:t>Hook</a:t>
+            </a:r>
+            <a:r>
+              <a:rPr lang="fi-FI" dirty="0"/>
+              <a:t>), joka on yhteysrajapinta lähde- tai kohdepalveluun</a:t>
             </a:r>
           </a:p>
           <a:p>
@@ -6624,7 +6878,7 @@
 </p:sld>
 </file>
 
-<file path=ppt/slides/slide14.xml><?xml version="1.0" encoding="utf-8"?>
+<file path=ppt/slides/slide16.xml><?xml version="1.0" encoding="utf-8"?>
 <p:sld xmlns:a="http://schemas.openxmlformats.org/drawingml/2006/main" xmlns:r="http://schemas.openxmlformats.org/officeDocument/2006/relationships" xmlns:p="http://schemas.openxmlformats.org/presentationml/2006/main">
   <p:cSld>
     <p:bg>
@@ -6744,7 +6998,7 @@
           <a:effectLst/>
           <a:extLst>
             <a:ext uri="{91240B29-F687-4f45-9708-019B960494DF}">
-              <a14:hiddenLine xmlns:a14="http://schemas.microsoft.com/office/drawing/2010/main" xmlns:p14="http://schemas.microsoft.com/office/powerpoint/2010/main" xmlns:a16="http://schemas.microsoft.com/office/drawing/2014/main" xmlns="" w="9525">
+              <a14:hiddenLine xmlns="" xmlns:a16="http://schemas.microsoft.com/office/drawing/2014/main" xmlns:p14="http://schemas.microsoft.com/office/powerpoint/2010/main" xmlns:a14="http://schemas.microsoft.com/office/drawing/2010/main" w="9525">
                 <a:solidFill>
                   <a:srgbClr val="000000"/>
                 </a:solidFill>
@@ -7183,7 +7437,7 @@
 </p:sld>
 </file>
 
-<file path=ppt/slides/slide15.xml><?xml version="1.0" encoding="utf-8"?>
+<file path=ppt/slides/slide17.xml><?xml version="1.0" encoding="utf-8"?>
 <p:sld xmlns:a="http://schemas.openxmlformats.org/drawingml/2006/main" xmlns:r="http://schemas.openxmlformats.org/officeDocument/2006/relationships" xmlns:p="http://schemas.openxmlformats.org/presentationml/2006/main">
   <p:cSld>
     <p:spTree>
@@ -7288,7 +7542,15 @@
             <a:pPr lvl="1"/>
             <a:r>
               <a:rPr lang="fi-FI" dirty="0"/>
-              <a:t>ajamisesta ja vuorottamisesta (</a:t>
+              <a:t>ajamisesta (</a:t>
+            </a:r>
+            <a:r>
+              <a:rPr lang="fi-FI" dirty="0" err="1"/>
+              <a:t>execution</a:t>
+            </a:r>
+            <a:r>
+              <a:rPr lang="fi-FI" dirty="0"/>
+              <a:t>) ja vuorottamisesta (</a:t>
             </a:r>
             <a:r>
               <a:rPr lang="fi-FI" dirty="0" err="1"/>
@@ -7296,7 +7558,17 @@
             </a:r>
             <a:r>
               <a:rPr lang="fi-FI" dirty="0"/>
-              <a:t>) vastaa omat palvelut</a:t>
+              <a:t>) vastaavat erilliset palvelut</a:t>
+            </a:r>
+          </a:p>
+          <a:p>
+            <a:r>
+              <a:rPr lang="fi-FI" dirty="0" err="1"/>
+              <a:t>taskeilla</a:t>
+            </a:r>
+            <a:r>
+              <a:rPr lang="fi-FI" dirty="0"/>
+              <a:t> voi olla palvelutasosopimus (SLA)</a:t>
             </a:r>
           </a:p>
           <a:p>
@@ -7324,7 +7596,7 @@
 </p:sld>
 </file>
 
-<file path=ppt/slides/slide16.xml><?xml version="1.0" encoding="utf-8"?>
+<file path=ppt/slides/slide18.xml><?xml version="1.0" encoding="utf-8"?>
 <p:sld xmlns:a="http://schemas.openxmlformats.org/drawingml/2006/main" xmlns:r="http://schemas.openxmlformats.org/officeDocument/2006/relationships" xmlns:p="http://schemas.openxmlformats.org/presentationml/2006/main">
   <p:cSld>
     <p:spTree>
@@ -7420,7 +7692,7 @@
           <a:p>
             <a:r>
               <a:rPr lang="fi-FI" dirty="0"/>
-              <a:t>Eroaa </a:t>
+              <a:t>Eroaa esim. </a:t>
             </a:r>
             <a:r>
               <a:rPr lang="fi-FI" dirty="0" err="1"/>
@@ -7446,7 +7718,344 @@
 </p:sld>
 </file>
 
-<file path=ppt/slides/slide17.xml><?xml version="1.0" encoding="utf-8"?>
+<file path=ppt/slides/slide19.xml><?xml version="1.0" encoding="utf-8"?>
+<p:sld xmlns:a="http://schemas.openxmlformats.org/drawingml/2006/main" xmlns:r="http://schemas.openxmlformats.org/officeDocument/2006/relationships" xmlns:p="http://schemas.openxmlformats.org/presentationml/2006/main">
+  <p:cSld>
+    <p:spTree>
+      <p:nvGrpSpPr>
+        <p:cNvPr id="1" name=""/>
+        <p:cNvGrpSpPr/>
+        <p:nvPr/>
+      </p:nvGrpSpPr>
+      <p:grpSpPr>
+        <a:xfrm>
+          <a:off x="0" y="0"/>
+          <a:ext cx="0" cy="0"/>
+          <a:chOff x="0" y="0"/>
+          <a:chExt cx="0" cy="0"/>
+        </a:xfrm>
+      </p:grpSpPr>
+      <p:sp>
+        <p:nvSpPr>
+          <p:cNvPr id="2" name="Title 1">
+            <a:extLst>
+              <a:ext uri="{FF2B5EF4-FFF2-40B4-BE49-F238E27FC236}">
+                <a16:creationId xmlns:a16="http://schemas.microsoft.com/office/drawing/2014/main" id="{857581F4-6AA1-E44D-BEA8-218AC84429F1}"/>
+              </a:ext>
+            </a:extLst>
+          </p:cNvPr>
+          <p:cNvSpPr>
+            <a:spLocks noGrp="1"/>
+          </p:cNvSpPr>
+          <p:nvPr>
+            <p:ph type="title"/>
+          </p:nvPr>
+        </p:nvSpPr>
+        <p:spPr/>
+        <p:txBody>
+          <a:bodyPr/>
+          <a:lstStyle/>
+          <a:p>
+            <a:r>
+              <a:rPr lang="fi-FI" dirty="0"/>
+              <a:t>Käyttöliittymä</a:t>
+            </a:r>
+          </a:p>
+        </p:txBody>
+      </p:sp>
+      <p:sp>
+        <p:nvSpPr>
+          <p:cNvPr id="3" name="Content Placeholder 2">
+            <a:extLst>
+              <a:ext uri="{FF2B5EF4-FFF2-40B4-BE49-F238E27FC236}">
+                <a16:creationId xmlns:a16="http://schemas.microsoft.com/office/drawing/2014/main" id="{2B5F593C-5EA8-9849-BDE2-1AB30C6A64B1}"/>
+              </a:ext>
+            </a:extLst>
+          </p:cNvPr>
+          <p:cNvSpPr>
+            <a:spLocks noGrp="1"/>
+          </p:cNvSpPr>
+          <p:nvPr>
+            <p:ph idx="1"/>
+          </p:nvPr>
+        </p:nvSpPr>
+        <p:spPr/>
+        <p:txBody>
+          <a:bodyPr/>
+          <a:lstStyle/>
+          <a:p>
+            <a:r>
+              <a:rPr lang="fi-FI" dirty="0" err="1"/>
+              <a:t>Airflow</a:t>
+            </a:r>
+            <a:r>
+              <a:rPr lang="fi-FI" dirty="0"/>
+              <a:t> sisältää käyttöliittymän, jota käyttäen voi mm.</a:t>
+            </a:r>
+          </a:p>
+          <a:p>
+            <a:pPr lvl="1"/>
+            <a:r>
+              <a:rPr lang="fi-FI" dirty="0"/>
+              <a:t>tarkastella ja muuttaa </a:t>
+            </a:r>
+            <a:r>
+              <a:rPr lang="fi-FI" dirty="0" err="1"/>
+              <a:t>taskien</a:t>
+            </a:r>
+            <a:r>
+              <a:rPr lang="fi-FI" dirty="0"/>
+              <a:t> tilaa</a:t>
+            </a:r>
+          </a:p>
+          <a:p>
+            <a:pPr lvl="1"/>
+            <a:r>
+              <a:rPr lang="fi-FI" dirty="0"/>
+              <a:t>tutkia DAG-ajojen valmistusprosessia (miten kauan kunkin operaation suorittaminen kesti, monta kertaa jouduttiin yrittämään jne.)</a:t>
+            </a:r>
+          </a:p>
+          <a:p>
+            <a:pPr lvl="1"/>
+            <a:r>
+              <a:rPr lang="fi-FI" dirty="0"/>
+              <a:t>säätää ympäristön parametreja</a:t>
+            </a:r>
+          </a:p>
+          <a:p>
+            <a:r>
+              <a:rPr lang="fi-FI" dirty="0"/>
+              <a:t>käyttäjähallinta ja </a:t>
+            </a:r>
+            <a:r>
+              <a:rPr lang="fi-FI" dirty="0" err="1"/>
+              <a:t>autorisointi</a:t>
+            </a:r>
+            <a:endParaRPr lang="fi-FI" dirty="0"/>
+          </a:p>
+        </p:txBody>
+      </p:sp>
+    </p:spTree>
+    <p:extLst>
+      <p:ext uri="{BB962C8B-B14F-4D97-AF65-F5344CB8AC3E}">
+        <p14:creationId xmlns:p14="http://schemas.microsoft.com/office/powerpoint/2010/main" val="261979508"/>
+      </p:ext>
+    </p:extLst>
+  </p:cSld>
+  <p:clrMapOvr>
+    <a:masterClrMapping/>
+  </p:clrMapOvr>
+</p:sld>
+</file>
+
+<file path=ppt/slides/slide2.xml><?xml version="1.0" encoding="utf-8"?>
+<p:sld xmlns:a="http://schemas.openxmlformats.org/drawingml/2006/main" xmlns:r="http://schemas.openxmlformats.org/officeDocument/2006/relationships" xmlns:p="http://schemas.openxmlformats.org/presentationml/2006/main">
+  <p:cSld>
+    <p:spTree>
+      <p:nvGrpSpPr>
+        <p:cNvPr id="1" name=""/>
+        <p:cNvGrpSpPr/>
+        <p:nvPr/>
+      </p:nvGrpSpPr>
+      <p:grpSpPr>
+        <a:xfrm>
+          <a:off x="0" y="0"/>
+          <a:ext cx="0" cy="0"/>
+          <a:chOff x="0" y="0"/>
+          <a:chExt cx="0" cy="0"/>
+        </a:xfrm>
+      </p:grpSpPr>
+      <p:sp>
+        <p:nvSpPr>
+          <p:cNvPr id="2" name="Title 1">
+            <a:extLst>
+              <a:ext uri="{FF2B5EF4-FFF2-40B4-BE49-F238E27FC236}">
+                <a16:creationId xmlns:a16="http://schemas.microsoft.com/office/drawing/2014/main" id="{D6A56636-A6EB-4E48-95F0-2B1C6289D356}"/>
+              </a:ext>
+            </a:extLst>
+          </p:cNvPr>
+          <p:cNvSpPr>
+            <a:spLocks noGrp="1"/>
+          </p:cNvSpPr>
+          <p:nvPr>
+            <p:ph type="title"/>
+          </p:nvPr>
+        </p:nvSpPr>
+        <p:spPr/>
+        <p:txBody>
+          <a:bodyPr/>
+          <a:lstStyle/>
+          <a:p>
+            <a:r>
+              <a:rPr lang="fi-FI" dirty="0"/>
+              <a:t>ETL-työkalujen historia</a:t>
+            </a:r>
+          </a:p>
+        </p:txBody>
+      </p:sp>
+      <p:sp>
+        <p:nvSpPr>
+          <p:cNvPr id="3" name="Content Placeholder 2">
+            <a:extLst>
+              <a:ext uri="{FF2B5EF4-FFF2-40B4-BE49-F238E27FC236}">
+                <a16:creationId xmlns:a16="http://schemas.microsoft.com/office/drawing/2014/main" id="{F0D86E9D-C9FB-FA40-B584-735AA9EBD241}"/>
+              </a:ext>
+            </a:extLst>
+          </p:cNvPr>
+          <p:cNvSpPr>
+            <a:spLocks noGrp="1"/>
+          </p:cNvSpPr>
+          <p:nvPr>
+            <p:ph idx="1"/>
+          </p:nvPr>
+        </p:nvSpPr>
+        <p:spPr/>
+        <p:txBody>
+          <a:bodyPr/>
+          <a:lstStyle/>
+          <a:p>
+            <a:r>
+              <a:rPr lang="fi-FI" dirty="0"/>
+              <a:t>”In </a:t>
+            </a:r>
+            <a:r>
+              <a:rPr lang="fi-FI" dirty="0" err="1"/>
+              <a:t>the</a:t>
+            </a:r>
+            <a:r>
+              <a:rPr lang="fi-FI" dirty="0"/>
+              <a:t> </a:t>
+            </a:r>
+            <a:r>
+              <a:rPr lang="fi-FI" dirty="0" err="1"/>
+              <a:t>beginning</a:t>
+            </a:r>
+            <a:r>
+              <a:rPr lang="fi-FI" dirty="0"/>
+              <a:t>, </a:t>
+            </a:r>
+            <a:r>
+              <a:rPr lang="fi-FI" dirty="0" err="1"/>
+              <a:t>there</a:t>
+            </a:r>
+            <a:r>
+              <a:rPr lang="fi-FI" dirty="0"/>
+              <a:t> </a:t>
+            </a:r>
+            <a:r>
+              <a:rPr lang="fi-FI" dirty="0" err="1"/>
+              <a:t>was</a:t>
+            </a:r>
+            <a:r>
+              <a:rPr lang="fi-FI" dirty="0"/>
+              <a:t> </a:t>
+            </a:r>
+            <a:r>
+              <a:rPr lang="fi-FI" dirty="0" err="1"/>
+              <a:t>Cron</a:t>
+            </a:r>
+            <a:r>
+              <a:rPr lang="fi-FI" dirty="0"/>
+              <a:t>. </a:t>
+            </a:r>
+            <a:r>
+              <a:rPr lang="fi-FI" dirty="0" err="1"/>
+              <a:t>We</a:t>
+            </a:r>
+            <a:r>
+              <a:rPr lang="fi-FI" dirty="0"/>
+              <a:t> </a:t>
+            </a:r>
+            <a:r>
+              <a:rPr lang="fi-FI" dirty="0" err="1"/>
+              <a:t>had</a:t>
+            </a:r>
+            <a:r>
+              <a:rPr lang="fi-FI" dirty="0"/>
+              <a:t> </a:t>
+            </a:r>
+            <a:r>
+              <a:rPr lang="fi-FI" dirty="0" err="1"/>
+              <a:t>one</a:t>
+            </a:r>
+            <a:r>
+              <a:rPr lang="fi-FI" dirty="0"/>
+              <a:t> </a:t>
+            </a:r>
+            <a:r>
+              <a:rPr lang="fi-FI" dirty="0" err="1"/>
+              <a:t>job</a:t>
+            </a:r>
+            <a:r>
+              <a:rPr lang="fi-FI" dirty="0"/>
+              <a:t> it </a:t>
+            </a:r>
+            <a:r>
+              <a:rPr lang="fi-FI" dirty="0" err="1"/>
+              <a:t>ran</a:t>
+            </a:r>
+            <a:r>
+              <a:rPr lang="fi-FI" dirty="0"/>
+              <a:t> at 1AM and it </a:t>
+            </a:r>
+            <a:r>
+              <a:rPr lang="fi-FI" dirty="0" err="1"/>
+              <a:t>was</a:t>
+            </a:r>
+            <a:r>
+              <a:rPr lang="fi-FI" dirty="0"/>
+              <a:t> </a:t>
+            </a:r>
+            <a:r>
+              <a:rPr lang="fi-FI" dirty="0" err="1"/>
+              <a:t>good</a:t>
+            </a:r>
+            <a:r>
+              <a:rPr lang="fi-FI" dirty="0"/>
+              <a:t>”</a:t>
+            </a:r>
+          </a:p>
+          <a:p>
+            <a:pPr marL="0" indent="0">
+              <a:buNone/>
+            </a:pPr>
+            <a:r>
+              <a:rPr lang="fi-FI" dirty="0"/>
+              <a:t>	- Pete </a:t>
+            </a:r>
+            <a:r>
+              <a:rPr lang="fi-FI" dirty="0" err="1"/>
+              <a:t>Owlett</a:t>
+            </a:r>
+            <a:r>
+              <a:rPr lang="fi-FI" dirty="0"/>
+              <a:t>, </a:t>
+            </a:r>
+            <a:r>
+              <a:rPr lang="fi-FI" dirty="0" err="1"/>
+              <a:t>PyData</a:t>
+            </a:r>
+            <a:r>
+              <a:rPr lang="fi-FI" dirty="0"/>
+              <a:t> London 2016</a:t>
+            </a:r>
+          </a:p>
+        </p:txBody>
+      </p:sp>
+    </p:spTree>
+    <p:extLst>
+      <p:ext uri="{BB962C8B-B14F-4D97-AF65-F5344CB8AC3E}">
+        <p14:creationId xmlns:p14="http://schemas.microsoft.com/office/powerpoint/2010/main" val="1026487335"/>
+      </p:ext>
+    </p:extLst>
+  </p:cSld>
+  <p:clrMapOvr>
+    <a:masterClrMapping/>
+  </p:clrMapOvr>
+</p:sld>
+</file>
+
+<file path=ppt/slides/slide20.xml><?xml version="1.0" encoding="utf-8"?>
 <p:sld xmlns:a="http://schemas.openxmlformats.org/drawingml/2006/main" xmlns:r="http://schemas.openxmlformats.org/officeDocument/2006/relationships" xmlns:p="http://schemas.openxmlformats.org/presentationml/2006/main">
   <p:cSld>
     <p:spTree>
@@ -7533,7 +8142,7 @@
 </p:sld>
 </file>
 
-<file path=ppt/slides/slide18.xml><?xml version="1.0" encoding="utf-8"?>
+<file path=ppt/slides/slide21.xml><?xml version="1.0" encoding="utf-8"?>
 <p:sld xmlns:a="http://schemas.openxmlformats.org/drawingml/2006/main" xmlns:r="http://schemas.openxmlformats.org/officeDocument/2006/relationships" xmlns:p="http://schemas.openxmlformats.org/presentationml/2006/main">
   <p:cSld>
     <p:spTree>
@@ -7597,7 +8206,9 @@
         </p:nvSpPr>
         <p:spPr/>
         <p:txBody>
-          <a:bodyPr/>
+          <a:bodyPr>
+            <a:normAutofit fontScale="92500"/>
+          </a:bodyPr>
           <a:lstStyle/>
           <a:p>
             <a:r>
@@ -7622,7 +8233,7 @@
             </a:r>
             <a:r>
               <a:rPr lang="fi-FI" dirty="0"/>
-              <a:t>) ajettavaksi</a:t>
+              <a:t>) ajettavaksi määrättyyn aikaan</a:t>
             </a:r>
           </a:p>
           <a:p>
@@ -7722,7 +8333,7 @@
             </a:r>
             <a:r>
               <a:rPr lang="fi-FI" dirty="0"/>
-              <a:t> – ajetaan yhdessä lokaalissa prosessissa peräkkäin (suos. vain testikäyttöön)</a:t>
+              <a:t> – ajetaan yhdessä lokaalissa prosessissa peräkkäin (suositellaan vain testikäyttöön)</a:t>
             </a:r>
           </a:p>
           <a:p>
@@ -7778,7 +8389,7 @@
 </p:sld>
 </file>
 
-<file path=ppt/slides/slide2.xml><?xml version="1.0" encoding="utf-8"?>
+<file path=ppt/slides/slide22.xml><?xml version="1.0" encoding="utf-8"?>
 <p:sld xmlns:a="http://schemas.openxmlformats.org/drawingml/2006/main" xmlns:r="http://schemas.openxmlformats.org/officeDocument/2006/relationships" xmlns:p="http://schemas.openxmlformats.org/presentationml/2006/main">
   <p:cSld>
     <p:spTree>
@@ -7800,7 +8411,7 @@
           <p:cNvPr id="2" name="Title 1">
             <a:extLst>
               <a:ext uri="{FF2B5EF4-FFF2-40B4-BE49-F238E27FC236}">
-                <a16:creationId xmlns:a16="http://schemas.microsoft.com/office/drawing/2014/main" id="{D6A56636-A6EB-4E48-95F0-2B1C6289D356}"/>
+                <a16:creationId xmlns:a16="http://schemas.microsoft.com/office/drawing/2014/main" id="{250A60E6-CFDC-C64A-9134-F5B74CA4C338}"/>
               </a:ext>
             </a:extLst>
           </p:cNvPr>
@@ -7817,9 +8428,10 @@
           <a:lstStyle/>
           <a:p>
             <a:r>
-              <a:rPr lang="fi-FI" dirty="0"/>
-              <a:t>ETL-työkalujen historia</a:t>
-            </a:r>
+              <a:rPr lang="fi-FI" dirty="0" err="1"/>
+              <a:t>Scheduler</a:t>
+            </a:r>
+            <a:endParaRPr lang="fi-FI" dirty="0"/>
           </a:p>
         </p:txBody>
       </p:sp>
@@ -7828,7 +8440,7 @@
           <p:cNvPr id="3" name="Content Placeholder 2">
             <a:extLst>
               <a:ext uri="{FF2B5EF4-FFF2-40B4-BE49-F238E27FC236}">
-                <a16:creationId xmlns:a16="http://schemas.microsoft.com/office/drawing/2014/main" id="{F0D86E9D-C9FB-FA40-B584-735AA9EBD241}"/>
+                <a16:creationId xmlns:a16="http://schemas.microsoft.com/office/drawing/2014/main" id="{A38D6A11-23C1-0243-AAB0-5FACA5EB36D1}"/>
               </a:ext>
             </a:extLst>
           </p:cNvPr>
@@ -7846,128 +8458,56 @@
           <a:p>
             <a:r>
               <a:rPr lang="fi-FI" dirty="0"/>
-              <a:t>”In </a:t>
-            </a:r>
-            <a:r>
-              <a:rPr lang="fi-FI" dirty="0" err="1"/>
-              <a:t>the</a:t>
+              <a:t>käynnistää työt aikataulun mukaisesti sen jälkeen kun </a:t>
+            </a:r>
+            <a:r>
+              <a:rPr lang="fi-FI" dirty="0" err="1"/>
+              <a:t>schedule_interval</a:t>
             </a:r>
             <a:r>
               <a:rPr lang="fi-FI" dirty="0"/>
               <a:t> </a:t>
             </a:r>
             <a:r>
-              <a:rPr lang="fi-FI" dirty="0" err="1"/>
-              <a:t>beginning</a:t>
-            </a:r>
-            <a:r>
-              <a:rPr lang="fi-FI" dirty="0"/>
-              <a:t>, </a:t>
-            </a:r>
-            <a:r>
-              <a:rPr lang="fi-FI" dirty="0" err="1"/>
-              <a:t>there</a:t>
-            </a:r>
-            <a:r>
-              <a:rPr lang="fi-FI" dirty="0"/>
-              <a:t> </a:t>
-            </a:r>
-            <a:r>
-              <a:rPr lang="fi-FI" dirty="0" err="1"/>
-              <a:t>was</a:t>
-            </a:r>
-            <a:r>
-              <a:rPr lang="fi-FI" dirty="0"/>
-              <a:t> </a:t>
-            </a:r>
-            <a:r>
-              <a:rPr lang="fi-FI" dirty="0" err="1"/>
-              <a:t>Cron</a:t>
-            </a:r>
-            <a:r>
-              <a:rPr lang="fi-FI" dirty="0"/>
-              <a:t>. </a:t>
-            </a:r>
-            <a:r>
-              <a:rPr lang="fi-FI" dirty="0" err="1"/>
-              <a:t>We</a:t>
-            </a:r>
-            <a:r>
-              <a:rPr lang="fi-FI" dirty="0"/>
-              <a:t> </a:t>
-            </a:r>
-            <a:r>
-              <a:rPr lang="fi-FI" dirty="0" err="1"/>
-              <a:t>had</a:t>
-            </a:r>
-            <a:r>
-              <a:rPr lang="fi-FI" dirty="0"/>
-              <a:t> </a:t>
-            </a:r>
-            <a:r>
-              <a:rPr lang="fi-FI" dirty="0" err="1"/>
-              <a:t>one</a:t>
-            </a:r>
-            <a:r>
-              <a:rPr lang="fi-FI" dirty="0"/>
-              <a:t> </a:t>
-            </a:r>
-            <a:r>
-              <a:rPr lang="fi-FI" dirty="0" err="1"/>
-              <a:t>job</a:t>
-            </a:r>
-            <a:r>
-              <a:rPr lang="fi-FI" dirty="0"/>
-              <a:t> it </a:t>
-            </a:r>
-            <a:r>
-              <a:rPr lang="fi-FI" dirty="0" err="1"/>
-              <a:t>ran</a:t>
-            </a:r>
-            <a:r>
-              <a:rPr lang="fi-FI" dirty="0"/>
-              <a:t> at 1AM and it </a:t>
-            </a:r>
-            <a:r>
-              <a:rPr lang="fi-FI" dirty="0" err="1"/>
-              <a:t>was</a:t>
-            </a:r>
-            <a:r>
-              <a:rPr lang="fi-FI" dirty="0"/>
-              <a:t> </a:t>
-            </a:r>
-            <a:r>
-              <a:rPr lang="fi-FI" dirty="0" err="1"/>
-              <a:t>good</a:t>
-            </a:r>
-            <a:r>
-              <a:rPr lang="fi-FI" dirty="0"/>
-              <a:t>”</a:t>
-            </a:r>
-          </a:p>
-          <a:p>
-            <a:pPr marL="0" indent="0">
-              <a:buNone/>
-            </a:pPr>
-            <a:r>
-              <a:rPr lang="fi-FI" dirty="0"/>
-              <a:t>	- Pete </a:t>
-            </a:r>
-            <a:r>
-              <a:rPr lang="fi-FI" dirty="0" err="1"/>
-              <a:t>Owlett</a:t>
-            </a:r>
-            <a:r>
-              <a:rPr lang="fi-FI" dirty="0"/>
-              <a:t>, </a:t>
-            </a:r>
-            <a:r>
-              <a:rPr lang="fi-FI" dirty="0" err="1"/>
-              <a:t>PyData</a:t>
-            </a:r>
-            <a:r>
-              <a:rPr lang="fi-FI" dirty="0"/>
-              <a:t> London 2016</a:t>
+              <a:rPr lang="fi-FI" i="1" dirty="0"/>
+              <a:t>on päättynyt</a:t>
+            </a:r>
+          </a:p>
+          <a:p>
+            <a:pPr lvl="1"/>
+            <a:r>
+              <a:rPr lang="fi-FI" dirty="0"/>
+              <a:t>kun työ on ajastettu ajettavaksi päivittäin, niin työ ajaa </a:t>
+            </a:r>
+            <a:r>
+              <a:rPr lang="fi-FI" i="1" dirty="0"/>
+              <a:t>päivän loputtua</a:t>
+            </a:r>
+          </a:p>
+          <a:p>
+            <a:r>
+              <a:rPr lang="fi-FI" dirty="0"/>
+              <a:t>varmistaa töiden olevan ajossa tai valmiina kuluvaan kellonaikaan nähden</a:t>
+            </a:r>
+          </a:p>
+          <a:p>
+            <a:r>
+              <a:rPr lang="fi-FI" dirty="0"/>
+              <a:t>antaa tarvittaessa käskyn </a:t>
+            </a:r>
+            <a:r>
+              <a:rPr lang="fi-FI" dirty="0" err="1"/>
+              <a:t>Executorille</a:t>
+            </a:r>
+            <a:r>
+              <a:rPr lang="fi-FI" dirty="0"/>
+              <a:t> ajaa tarvittavat työt</a:t>
+            </a:r>
+          </a:p>
+          <a:p>
+            <a:r>
+              <a:rPr lang="fi-FI" dirty="0"/>
+              <a:t>ilmoittaa, jos SLA ei ole täyttynyt</a:t>
             </a:r>
           </a:p>
         </p:txBody>
@@ -7975,7 +8515,222 @@
     </p:spTree>
     <p:extLst>
       <p:ext uri="{BB962C8B-B14F-4D97-AF65-F5344CB8AC3E}">
-        <p14:creationId xmlns:p14="http://schemas.microsoft.com/office/powerpoint/2010/main" val="1026487335"/>
+        <p14:creationId xmlns:p14="http://schemas.microsoft.com/office/powerpoint/2010/main" val="445599712"/>
+      </p:ext>
+    </p:extLst>
+  </p:cSld>
+  <p:clrMapOvr>
+    <a:masterClrMapping/>
+  </p:clrMapOvr>
+</p:sld>
+</file>
+
+<file path=ppt/slides/slide23.xml><?xml version="1.0" encoding="utf-8"?>
+<p:sld xmlns:a="http://schemas.openxmlformats.org/drawingml/2006/main" xmlns:r="http://schemas.openxmlformats.org/officeDocument/2006/relationships" xmlns:p="http://schemas.openxmlformats.org/presentationml/2006/main">
+  <p:cSld>
+    <p:spTree>
+      <p:nvGrpSpPr>
+        <p:cNvPr id="1" name=""/>
+        <p:cNvGrpSpPr/>
+        <p:nvPr/>
+      </p:nvGrpSpPr>
+      <p:grpSpPr>
+        <a:xfrm>
+          <a:off x="0" y="0"/>
+          <a:ext cx="0" cy="0"/>
+          <a:chOff x="0" y="0"/>
+          <a:chExt cx="0" cy="0"/>
+        </a:xfrm>
+      </p:grpSpPr>
+      <p:sp>
+        <p:nvSpPr>
+          <p:cNvPr id="2" name="Title 1">
+            <a:extLst>
+              <a:ext uri="{FF2B5EF4-FFF2-40B4-BE49-F238E27FC236}">
+                <a16:creationId xmlns:a16="http://schemas.microsoft.com/office/drawing/2014/main" id="{2DF52BE3-FBB2-EC4C-AB1D-5DC8DD40FC02}"/>
+              </a:ext>
+            </a:extLst>
+          </p:cNvPr>
+          <p:cNvSpPr>
+            <a:spLocks noGrp="1"/>
+          </p:cNvSpPr>
+          <p:nvPr>
+            <p:ph type="title"/>
+          </p:nvPr>
+        </p:nvSpPr>
+        <p:spPr/>
+        <p:txBody>
+          <a:bodyPr/>
+          <a:lstStyle/>
+          <a:p>
+            <a:r>
+              <a:rPr lang="fi-FI" dirty="0"/>
+              <a:t>Muita </a:t>
+            </a:r>
+            <a:r>
+              <a:rPr lang="fi-FI" dirty="0" err="1"/>
+              <a:t>toiminnallisuuksia</a:t>
+            </a:r>
+            <a:endParaRPr lang="fi-FI" dirty="0"/>
+          </a:p>
+        </p:txBody>
+      </p:sp>
+      <p:sp>
+        <p:nvSpPr>
+          <p:cNvPr id="3" name="Content Placeholder 2">
+            <a:extLst>
+              <a:ext uri="{FF2B5EF4-FFF2-40B4-BE49-F238E27FC236}">
+                <a16:creationId xmlns:a16="http://schemas.microsoft.com/office/drawing/2014/main" id="{A8DB7C10-00A8-4B49-A928-C9FD55134CB3}"/>
+              </a:ext>
+            </a:extLst>
+          </p:cNvPr>
+          <p:cNvSpPr>
+            <a:spLocks noGrp="1"/>
+          </p:cNvSpPr>
+          <p:nvPr>
+            <p:ph idx="1"/>
+          </p:nvPr>
+        </p:nvSpPr>
+        <p:spPr/>
+        <p:txBody>
+          <a:bodyPr/>
+          <a:lstStyle/>
+          <a:p>
+            <a:r>
+              <a:rPr lang="fi-FI" dirty="0" err="1"/>
+              <a:t>XCom</a:t>
+            </a:r>
+            <a:r>
+              <a:rPr lang="fi-FI" dirty="0"/>
+              <a:t> – tilan </a:t>
+            </a:r>
+            <a:r>
+              <a:rPr lang="fi-FI" dirty="0" err="1"/>
+              <a:t>persistointi</a:t>
+            </a:r>
+            <a:r>
+              <a:rPr lang="fi-FI" dirty="0"/>
+              <a:t> operaattorien välillä</a:t>
+            </a:r>
+          </a:p>
+          <a:p>
+            <a:r>
+              <a:rPr lang="fi-FI" dirty="0"/>
+              <a:t>muuttujat – vastaa ympäristömuuttujia, asetettavissa käyttöliittymästä</a:t>
+            </a:r>
+          </a:p>
+          <a:p>
+            <a:r>
+              <a:rPr lang="fi-FI" dirty="0"/>
+              <a:t>haarautuminen – </a:t>
+            </a:r>
+            <a:r>
+              <a:rPr lang="fi-FI" dirty="0" err="1"/>
+              <a:t>taskien</a:t>
+            </a:r>
+            <a:r>
+              <a:rPr lang="fi-FI" dirty="0"/>
+              <a:t> ajaminen ehdollisesti</a:t>
+            </a:r>
+          </a:p>
+          <a:p>
+            <a:r>
+              <a:rPr lang="fi-FI" dirty="0"/>
+              <a:t>poolit – tiettyä tyyppiä olevien </a:t>
+            </a:r>
+            <a:r>
+              <a:rPr lang="fi-FI" dirty="0" err="1"/>
+              <a:t>taskien</a:t>
+            </a:r>
+            <a:r>
+              <a:rPr lang="fi-FI" dirty="0"/>
+              <a:t> kokoaminen joukkoon, jolla voi määrittää joukon </a:t>
+            </a:r>
+            <a:r>
+              <a:rPr lang="fi-FI" dirty="0" err="1"/>
+              <a:t>taskeille</a:t>
+            </a:r>
+            <a:r>
+              <a:rPr lang="fi-FI" dirty="0"/>
+              <a:t> rajoituksia</a:t>
+            </a:r>
+          </a:p>
+          <a:p>
+            <a:r>
+              <a:rPr lang="fi-FI" dirty="0" err="1"/>
+              <a:t>triggerit</a:t>
+            </a:r>
+            <a:r>
+              <a:rPr lang="fi-FI" dirty="0"/>
+              <a:t> – </a:t>
+            </a:r>
+            <a:r>
+              <a:rPr lang="fi-FI" dirty="0" err="1"/>
+              <a:t>DAG:n</a:t>
+            </a:r>
+            <a:r>
+              <a:rPr lang="fi-FI" dirty="0"/>
+              <a:t> ajaminen </a:t>
+            </a:r>
+            <a:r>
+              <a:rPr lang="fi-FI" dirty="0" err="1"/>
+              <a:t>ad</a:t>
+            </a:r>
+            <a:r>
+              <a:rPr lang="fi-FI" dirty="0"/>
+              <a:t> hoc</a:t>
+            </a:r>
+          </a:p>
+          <a:p>
+            <a:r>
+              <a:rPr lang="fi-FI" dirty="0" err="1"/>
+              <a:t>templatointi</a:t>
+            </a:r>
+            <a:r>
+              <a:rPr lang="fi-FI" dirty="0"/>
+              <a:t> – esim. SQL:n </a:t>
+            </a:r>
+            <a:r>
+              <a:rPr lang="fi-FI" dirty="0" err="1"/>
+              <a:t>templatointi</a:t>
+            </a:r>
+            <a:r>
+              <a:rPr lang="fi-FI" dirty="0"/>
+              <a:t>, jolloin </a:t>
+            </a:r>
+            <a:r>
+              <a:rPr lang="fi-FI" dirty="0" err="1"/>
+              <a:t>templaatin</a:t>
+            </a:r>
+            <a:r>
+              <a:rPr lang="fi-FI" dirty="0"/>
+              <a:t> parametrit määräytyvät </a:t>
+            </a:r>
+            <a:r>
+              <a:rPr lang="fi-FI" dirty="0" err="1"/>
+              <a:t>DAG:n</a:t>
+            </a:r>
+            <a:r>
+              <a:rPr lang="fi-FI" dirty="0"/>
+              <a:t> ominaisuuksien (esim. aika) perusteella</a:t>
+            </a:r>
+          </a:p>
+          <a:p>
+            <a:r>
+              <a:rPr lang="fi-FI" dirty="0" err="1"/>
+              <a:t>backfill</a:t>
+            </a:r>
+            <a:r>
+              <a:rPr lang="fi-FI" dirty="0"/>
+              <a:t> – historian uudelleenajo</a:t>
+            </a:r>
+          </a:p>
+        </p:txBody>
+      </p:sp>
+    </p:spTree>
+    <p:extLst>
+      <p:ext uri="{BB962C8B-B14F-4D97-AF65-F5344CB8AC3E}">
+        <p14:creationId xmlns:p14="http://schemas.microsoft.com/office/powerpoint/2010/main" val="2765825795"/>
       </p:ext>
     </p:extLst>
   </p:cSld>
@@ -8136,7 +8891,7 @@
           <p:cNvPr id="2" name="Title 1">
             <a:extLst>
               <a:ext uri="{FF2B5EF4-FFF2-40B4-BE49-F238E27FC236}">
-                <a16:creationId xmlns:a16="http://schemas.microsoft.com/office/drawing/2014/main" id="{18E88A35-AF7B-BF49-95A6-C186ECB26DD2}"/>
+                <a16:creationId xmlns:a16="http://schemas.microsoft.com/office/drawing/2014/main" id="{5CCAD4FC-ACB6-6A49-A349-DC3640CA6CAC}"/>
               </a:ext>
             </a:extLst>
           </p:cNvPr>
@@ -8154,7 +8909,7 @@
           <a:p>
             <a:r>
               <a:rPr lang="fi-FI" dirty="0"/>
-              <a:t>Hakkerin ratkaisu</a:t>
+              <a:t>Raportointi</a:t>
             </a:r>
           </a:p>
         </p:txBody>
@@ -8164,7 +8919,7 @@
           <p:cNvPr id="3" name="Content Placeholder 2">
             <a:extLst>
               <a:ext uri="{FF2B5EF4-FFF2-40B4-BE49-F238E27FC236}">
-                <a16:creationId xmlns:a16="http://schemas.microsoft.com/office/drawing/2014/main" id="{C3DF46A9-AAB0-944F-A0DA-6F14E51305DF}"/>
+                <a16:creationId xmlns:a16="http://schemas.microsoft.com/office/drawing/2014/main" id="{C6CC9711-6E21-C742-9A72-5E507CBBF2DC}"/>
               </a:ext>
             </a:extLst>
           </p:cNvPr>
@@ -8182,60 +8937,31 @@
           <a:p>
             <a:r>
               <a:rPr lang="fi-FI" dirty="0"/>
-              <a:t>Linux + </a:t>
-            </a:r>
-            <a:r>
-              <a:rPr lang="fi-FI" dirty="0" err="1"/>
-              <a:t>cron</a:t>
-            </a:r>
-            <a:r>
-              <a:rPr lang="fi-FI" dirty="0"/>
-              <a:t> + </a:t>
-            </a:r>
-            <a:r>
-              <a:rPr lang="fi-FI" dirty="0" err="1"/>
-              <a:t>make</a:t>
-            </a:r>
-            <a:r>
-              <a:rPr lang="fi-FI" dirty="0"/>
-              <a:t>/</a:t>
-            </a:r>
-            <a:r>
-              <a:rPr lang="fi-FI" dirty="0" err="1"/>
-              <a:t>drake</a:t>
-            </a:r>
-            <a:r>
-              <a:rPr lang="fi-FI" dirty="0"/>
-              <a:t> ja paljon </a:t>
-            </a:r>
-            <a:r>
-              <a:rPr lang="fi-FI" dirty="0" err="1"/>
-              <a:t>skriptejä</a:t>
+              <a:t>Sisäinen raportointi</a:t>
+            </a:r>
+          </a:p>
+          <a:p>
+            <a:pPr lvl="1"/>
+            <a:r>
+              <a:rPr lang="fi-FI" dirty="0"/>
+              <a:t>esim. hälytysjärjestelmä, joka viestittää esim. sähköpostiin tai </a:t>
+            </a:r>
+            <a:r>
+              <a:rPr lang="fi-FI" dirty="0" err="1"/>
+              <a:t>Slackiin</a:t>
             </a:r>
             <a:endParaRPr lang="fi-FI" dirty="0"/>
           </a:p>
           <a:p>
-            <a:r>
-              <a:rPr lang="fi-FI" dirty="0"/>
-              <a:t>kun jotain menee rikki, hakkeri korjaa itse</a:t>
-            </a:r>
-          </a:p>
-          <a:p>
-            <a:r>
-              <a:rPr lang="fi-FI" dirty="0"/>
-              <a:t>oma työkalu </a:t>
-            </a:r>
-            <a:r>
-              <a:rPr lang="fi-FI" i="1" dirty="0"/>
-              <a:t>monitoroinnille</a:t>
-            </a:r>
+            <a:pPr lvl="1"/>
+            <a:endParaRPr lang="fi-FI" dirty="0"/>
           </a:p>
         </p:txBody>
       </p:sp>
     </p:spTree>
     <p:extLst>
       <p:ext uri="{BB962C8B-B14F-4D97-AF65-F5344CB8AC3E}">
-        <p14:creationId xmlns:p14="http://schemas.microsoft.com/office/powerpoint/2010/main" val="1751552105"/>
+        <p14:creationId xmlns:p14="http://schemas.microsoft.com/office/powerpoint/2010/main" val="3758014993"/>
       </p:ext>
     </p:extLst>
   </p:cSld>
@@ -8267,7 +8993,7 @@
           <p:cNvPr id="2" name="Title 1">
             <a:extLst>
               <a:ext uri="{FF2B5EF4-FFF2-40B4-BE49-F238E27FC236}">
-                <a16:creationId xmlns:a16="http://schemas.microsoft.com/office/drawing/2014/main" id="{F10CC03B-27F5-E644-B986-80F243380064}"/>
+                <a16:creationId xmlns:a16="http://schemas.microsoft.com/office/drawing/2014/main" id="{F3301444-0440-9B49-990C-0E80371C65A6}"/>
               </a:ext>
             </a:extLst>
           </p:cNvPr>
@@ -8285,7 +9011,7 @@
           <a:p>
             <a:r>
               <a:rPr lang="fi-FI" dirty="0"/>
-              <a:t>OSS-ratkaisuja</a:t>
+              <a:t>Monitorointi</a:t>
             </a:r>
           </a:p>
         </p:txBody>
@@ -8295,7 +9021,7 @@
           <p:cNvPr id="3" name="Content Placeholder 2">
             <a:extLst>
               <a:ext uri="{FF2B5EF4-FFF2-40B4-BE49-F238E27FC236}">
-                <a16:creationId xmlns:a16="http://schemas.microsoft.com/office/drawing/2014/main" id="{E8E25147-A502-6F46-A7BB-2C7728D2623A}"/>
+                <a16:creationId xmlns:a16="http://schemas.microsoft.com/office/drawing/2014/main" id="{C1C39E43-FE72-A447-B1A4-735EE6D1F6ED}"/>
               </a:ext>
             </a:extLst>
           </p:cNvPr>
@@ -8312,38 +9038,16 @@
           <a:lstStyle/>
           <a:p>
             <a:r>
-              <a:rPr lang="fi-FI" dirty="0" err="1"/>
-              <a:t>Luigi</a:t>
-            </a:r>
-            <a:endParaRPr lang="fi-FI" dirty="0"/>
-          </a:p>
-          <a:p>
-            <a:pPr lvl="1"/>
-            <a:r>
-              <a:rPr lang="fi-FI" dirty="0"/>
-              <a:t>perustuu datan siirtämiseen töiden välillä</a:t>
-            </a:r>
-          </a:p>
-          <a:p>
-            <a:pPr lvl="1"/>
-            <a:r>
-              <a:rPr lang="fi-FI" dirty="0" err="1"/>
-              <a:t>skedulointi</a:t>
-            </a:r>
-            <a:r>
-              <a:rPr lang="fi-FI" dirty="0"/>
-              <a:t> ei </a:t>
-            </a:r>
-          </a:p>
-          <a:p>
-            <a:endParaRPr lang="fi-FI" dirty="0"/>
+              <a:rPr lang="fi-FI" dirty="0"/>
+              <a:t>Datan laadun tarkistus</a:t>
+            </a:r>
           </a:p>
         </p:txBody>
       </p:sp>
     </p:spTree>
     <p:extLst>
       <p:ext uri="{BB962C8B-B14F-4D97-AF65-F5344CB8AC3E}">
-        <p14:creationId xmlns:p14="http://schemas.microsoft.com/office/powerpoint/2010/main" val="685662367"/>
+        <p14:creationId xmlns:p14="http://schemas.microsoft.com/office/powerpoint/2010/main" val="4263624978"/>
       </p:ext>
     </p:extLst>
   </p:cSld>
@@ -8375,7 +9079,7 @@
           <p:cNvPr id="2" name="Title 1">
             <a:extLst>
               <a:ext uri="{FF2B5EF4-FFF2-40B4-BE49-F238E27FC236}">
-                <a16:creationId xmlns:a16="http://schemas.microsoft.com/office/drawing/2014/main" id="{78D5986E-52C4-A542-8B9D-6561829D347C}"/>
+                <a16:creationId xmlns:a16="http://schemas.microsoft.com/office/drawing/2014/main" id="{18E88A35-AF7B-BF49-95A6-C186ECB26DD2}"/>
               </a:ext>
             </a:extLst>
           </p:cNvPr>
@@ -8393,7 +9097,7 @@
           <a:p>
             <a:r>
               <a:rPr lang="fi-FI" dirty="0"/>
-              <a:t>Haasteellinen ympäristö</a:t>
+              <a:t>Hakkerin ratkaisu</a:t>
             </a:r>
           </a:p>
         </p:txBody>
@@ -8403,7 +9107,7 @@
           <p:cNvPr id="3" name="Content Placeholder 2">
             <a:extLst>
               <a:ext uri="{FF2B5EF4-FFF2-40B4-BE49-F238E27FC236}">
-                <a16:creationId xmlns:a16="http://schemas.microsoft.com/office/drawing/2014/main" id="{58A07575-F0D1-174A-B2C8-9C08A9AF9C9C}"/>
+                <a16:creationId xmlns:a16="http://schemas.microsoft.com/office/drawing/2014/main" id="{C3DF46A9-AAB0-944F-A0DA-6F14E51305DF}"/>
               </a:ext>
             </a:extLst>
           </p:cNvPr>
@@ -8421,31 +9125,74 @@
           <a:p>
             <a:r>
               <a:rPr lang="fi-FI" dirty="0"/>
-              <a:t>dataa tulee monesta lähteestä, joihin ei päästä kiinni samalla tavalla</a:t>
-            </a:r>
-          </a:p>
-          <a:p>
-            <a:r>
-              <a:rPr lang="fi-FI" dirty="0"/>
-              <a:t>tuloksena kokoelma eri paikassa ja eri aikaan ajettavia palveluita</a:t>
-            </a:r>
-          </a:p>
-          <a:p>
-            <a:r>
-              <a:rPr lang="fi-FI" dirty="0"/>
-              <a:t>palvelut eivät aina toimi niin kuin pitää, jolloin halutaan korjata virhe ja yrittää uudelleen</a:t>
-            </a:r>
-          </a:p>
-          <a:p>
-            <a:r>
-              <a:rPr lang="fi-FI" dirty="0"/>
-              <a:t>datalla on laatuvaatimuksia kuten saatavuus, tarkkuus, täydellisyys</a:t>
-            </a:r>
-          </a:p>
-          <a:p>
-            <a:r>
-              <a:rPr lang="fi-FI" dirty="0"/>
-              <a:t>lopputuotteiden tuottajia ja käyttäjiä kirjava joukko, jotka tarvitsevat näkyvyyden työn tilaan</a:t>
+              <a:t>Linux + </a:t>
+            </a:r>
+            <a:r>
+              <a:rPr lang="fi-FI" dirty="0" err="1"/>
+              <a:t>cron</a:t>
+            </a:r>
+            <a:r>
+              <a:rPr lang="fi-FI" dirty="0"/>
+              <a:t> + </a:t>
+            </a:r>
+            <a:r>
+              <a:rPr lang="fi-FI" dirty="0" err="1"/>
+              <a:t>make</a:t>
+            </a:r>
+            <a:r>
+              <a:rPr lang="fi-FI" dirty="0"/>
+              <a:t>/</a:t>
+            </a:r>
+            <a:r>
+              <a:rPr lang="fi-FI" dirty="0" err="1"/>
+              <a:t>drake</a:t>
+            </a:r>
+            <a:r>
+              <a:rPr lang="fi-FI" dirty="0"/>
+              <a:t> ja paljon </a:t>
+            </a:r>
+            <a:r>
+              <a:rPr lang="fi-FI" dirty="0" err="1"/>
+              <a:t>skriptejä</a:t>
+            </a:r>
+            <a:endParaRPr lang="fi-FI" dirty="0"/>
+          </a:p>
+          <a:p>
+            <a:r>
+              <a:rPr lang="fi-FI" dirty="0"/>
+              <a:t>kun jotain menee rikki, pitää yrittää uudelleen</a:t>
+            </a:r>
+          </a:p>
+          <a:p>
+            <a:r>
+              <a:rPr lang="fi-FI" dirty="0"/>
+              <a:t>monitorointi on hankalaa</a:t>
+            </a:r>
+          </a:p>
+          <a:p>
+            <a:r>
+              <a:rPr lang="fi-FI" dirty="0" err="1"/>
+              <a:t>skriptien</a:t>
+            </a:r>
+            <a:r>
+              <a:rPr lang="fi-FI" dirty="0"/>
+              <a:t> välisiä riippuvuuksia on hankala hallita</a:t>
+            </a:r>
+          </a:p>
+          <a:p>
+            <a:r>
+              <a:rPr lang="fi-FI" dirty="0" err="1"/>
+              <a:t>skriptit</a:t>
+            </a:r>
+            <a:r>
+              <a:rPr lang="fi-FI" dirty="0"/>
+              <a:t> saattavat ajaa päällekkäin silloin kun niiden ei pitäisi</a:t>
+            </a:r>
+          </a:p>
+          <a:p>
+            <a:r>
+              <a:rPr lang="fi-FI" dirty="0"/>
+              <a:t>ei skaalaudu</a:t>
             </a:r>
           </a:p>
         </p:txBody>
@@ -8453,7 +9200,7 @@
     </p:spTree>
     <p:extLst>
       <p:ext uri="{BB962C8B-B14F-4D97-AF65-F5344CB8AC3E}">
-        <p14:creationId xmlns:p14="http://schemas.microsoft.com/office/powerpoint/2010/main" val="3570862359"/>
+        <p14:creationId xmlns:p14="http://schemas.microsoft.com/office/powerpoint/2010/main" val="1751552105"/>
       </p:ext>
     </p:extLst>
   </p:cSld>
@@ -8485,7 +9232,7 @@
           <p:cNvPr id="2" name="Title 1">
             <a:extLst>
               <a:ext uri="{FF2B5EF4-FFF2-40B4-BE49-F238E27FC236}">
-                <a16:creationId xmlns:a16="http://schemas.microsoft.com/office/drawing/2014/main" id="{7A03F8A2-9573-A946-9DEB-155A25324CA0}"/>
+                <a16:creationId xmlns:a16="http://schemas.microsoft.com/office/drawing/2014/main" id="{F10CC03B-27F5-E644-B986-80F243380064}"/>
               </a:ext>
             </a:extLst>
           </p:cNvPr>
@@ -8503,7 +9250,7 @@
           <a:p>
             <a:r>
               <a:rPr lang="fi-FI" dirty="0"/>
-              <a:t>Kiva matriisi ETL-kentästä</a:t>
+              <a:t>OSS-ratkaisuja</a:t>
             </a:r>
           </a:p>
         </p:txBody>
@@ -8513,7 +9260,7 @@
           <p:cNvPr id="3" name="Content Placeholder 2">
             <a:extLst>
               <a:ext uri="{FF2B5EF4-FFF2-40B4-BE49-F238E27FC236}">
-                <a16:creationId xmlns:a16="http://schemas.microsoft.com/office/drawing/2014/main" id="{0C4C8742-A772-E141-9E6C-6B6D6A300D54}"/>
+                <a16:creationId xmlns:a16="http://schemas.microsoft.com/office/drawing/2014/main" id="{E8E25147-A502-6F46-A7BB-2C7728D2623A}"/>
               </a:ext>
             </a:extLst>
           </p:cNvPr>
@@ -8529,6 +9276,31 @@
           <a:bodyPr/>
           <a:lstStyle/>
           <a:p>
+            <a:r>
+              <a:rPr lang="fi-FI" dirty="0" err="1"/>
+              <a:t>Luigi</a:t>
+            </a:r>
+            <a:endParaRPr lang="fi-FI" dirty="0"/>
+          </a:p>
+          <a:p>
+            <a:pPr lvl="1"/>
+            <a:r>
+              <a:rPr lang="fi-FI" dirty="0"/>
+              <a:t>perustuu datan siirtämiseen töiden välillä</a:t>
+            </a:r>
+          </a:p>
+          <a:p>
+            <a:pPr lvl="1"/>
+            <a:r>
+              <a:rPr lang="fi-FI" dirty="0" err="1"/>
+              <a:t>skedulointi</a:t>
+            </a:r>
+            <a:r>
+              <a:rPr lang="fi-FI" dirty="0"/>
+              <a:t> ei </a:t>
+            </a:r>
+          </a:p>
+          <a:p>
             <a:endParaRPr lang="fi-FI" dirty="0"/>
           </a:p>
         </p:txBody>
@@ -8536,7 +9308,7 @@
     </p:spTree>
     <p:extLst>
       <p:ext uri="{BB962C8B-B14F-4D97-AF65-F5344CB8AC3E}">
-        <p14:creationId xmlns:p14="http://schemas.microsoft.com/office/powerpoint/2010/main" val="1753912804"/>
+        <p14:creationId xmlns:p14="http://schemas.microsoft.com/office/powerpoint/2010/main" val="685662367"/>
       </p:ext>
     </p:extLst>
   </p:cSld>
@@ -8568,7 +9340,7 @@
           <p:cNvPr id="2" name="Title 1">
             <a:extLst>
               <a:ext uri="{FF2B5EF4-FFF2-40B4-BE49-F238E27FC236}">
-                <a16:creationId xmlns:a16="http://schemas.microsoft.com/office/drawing/2014/main" id="{99605D5B-5B49-9B48-92EF-410EA8835A8C}"/>
+                <a16:creationId xmlns:a16="http://schemas.microsoft.com/office/drawing/2014/main" id="{78D5986E-52C4-A542-8B9D-6561829D347C}"/>
               </a:ext>
             </a:extLst>
           </p:cNvPr>
@@ -8585,18 +9357,9 @@
           <a:lstStyle/>
           <a:p>
             <a:r>
-              <a:rPr lang="fi-FI" dirty="0" err="1"/>
-              <a:t>Apache</a:t>
-            </a:r>
-            <a:r>
-              <a:rPr lang="fi-FI" dirty="0"/>
-              <a:t> </a:t>
-            </a:r>
-            <a:r>
-              <a:rPr lang="fi-FI" dirty="0" err="1"/>
-              <a:t>Airflow</a:t>
-            </a:r>
-            <a:endParaRPr lang="fi-FI" dirty="0"/>
+              <a:rPr lang="fi-FI" dirty="0"/>
+              <a:t>Haasteellinen ympäristö</a:t>
+            </a:r>
           </a:p>
         </p:txBody>
       </p:sp>
@@ -8605,7 +9368,7 @@
           <p:cNvPr id="3" name="Content Placeholder 2">
             <a:extLst>
               <a:ext uri="{FF2B5EF4-FFF2-40B4-BE49-F238E27FC236}">
-                <a16:creationId xmlns:a16="http://schemas.microsoft.com/office/drawing/2014/main" id="{BE358D29-1B9A-F948-9631-61BFBBA02C4E}"/>
+                <a16:creationId xmlns:a16="http://schemas.microsoft.com/office/drawing/2014/main" id="{58A07575-F0D1-174A-B2C8-9C08A9AF9C9C}"/>
               </a:ext>
             </a:extLst>
           </p:cNvPr>
@@ -8623,62 +9386,31 @@
           <a:p>
             <a:r>
               <a:rPr lang="fi-FI" dirty="0"/>
-              <a:t>työnkulkujen (</a:t>
-            </a:r>
-            <a:r>
-              <a:rPr lang="fi-FI" dirty="0" err="1"/>
-              <a:t>workflow</a:t>
-            </a:r>
-            <a:r>
-              <a:rPr lang="fi-FI" dirty="0"/>
-              <a:t>) luomiseen, ajastamiseen ja hallinnointiin tarkoitettu alusta</a:t>
-            </a:r>
-          </a:p>
-          <a:p>
-            <a:r>
-              <a:rPr lang="fi-FI" dirty="0" err="1"/>
-              <a:t>workflow</a:t>
-            </a:r>
-            <a:r>
-              <a:rPr lang="fi-FI" dirty="0"/>
-              <a:t> </a:t>
-            </a:r>
-            <a:r>
-              <a:rPr lang="fi-FI" i="1" dirty="0"/>
-              <a:t>määritellään</a:t>
-            </a:r>
-            <a:r>
-              <a:rPr lang="fi-FI" dirty="0"/>
-              <a:t> koodina</a:t>
-            </a:r>
-          </a:p>
-          <a:p>
-            <a:r>
-              <a:rPr lang="fi-FI" dirty="0" err="1"/>
-              <a:t>cron</a:t>
-            </a:r>
-            <a:r>
-              <a:rPr lang="fi-FI" dirty="0"/>
-              <a:t>-on-</a:t>
-            </a:r>
-            <a:r>
-              <a:rPr lang="fi-FI" dirty="0" err="1"/>
-              <a:t>steroids</a:t>
-            </a:r>
-            <a:endParaRPr lang="fi-FI" dirty="0"/>
-          </a:p>
-          <a:p>
-            <a:r>
-              <a:rPr lang="fi-FI" dirty="0"/>
-              <a:t>työt monitoroitavissa  ja hallinnoitavissa </a:t>
-            </a:r>
-            <a:r>
-              <a:rPr lang="fi-FI" dirty="0" err="1"/>
-              <a:t>webbikäyttöliittymän</a:t>
-            </a:r>
-            <a:r>
-              <a:rPr lang="fi-FI" dirty="0"/>
-              <a:t> avulla</a:t>
+              <a:t>dataa tulee monesta lähteestä, joihin ei päästä kiinni samalla tavalla</a:t>
+            </a:r>
+          </a:p>
+          <a:p>
+            <a:r>
+              <a:rPr lang="fi-FI" dirty="0"/>
+              <a:t>tuloksena kokoelma eri paikassa ja eri aikaan ajettavia palveluita</a:t>
+            </a:r>
+          </a:p>
+          <a:p>
+            <a:r>
+              <a:rPr lang="fi-FI" dirty="0"/>
+              <a:t>palvelut eivät aina toimi niin kuin pitää, jolloin halutaan korjata virhe ja yrittää uudelleen</a:t>
+            </a:r>
+          </a:p>
+          <a:p>
+            <a:r>
+              <a:rPr lang="fi-FI" dirty="0"/>
+              <a:t>datalla on laatuvaatimuksia kuten saatavuus, tarkkuus, täydellisyys</a:t>
+            </a:r>
+          </a:p>
+          <a:p>
+            <a:r>
+              <a:rPr lang="fi-FI" dirty="0"/>
+              <a:t>lopputuotteiden tuottajia ja käyttäjiä kirjava joukko, jotka tarvitsevat näkyvyyden työn tilaan</a:t>
             </a:r>
           </a:p>
         </p:txBody>
@@ -8686,7 +9418,7 @@
     </p:spTree>
     <p:extLst>
       <p:ext uri="{BB962C8B-B14F-4D97-AF65-F5344CB8AC3E}">
-        <p14:creationId xmlns:p14="http://schemas.microsoft.com/office/powerpoint/2010/main" val="89648473"/>
+        <p14:creationId xmlns:p14="http://schemas.microsoft.com/office/powerpoint/2010/main" val="3570862359"/>
       </p:ext>
     </p:extLst>
   </p:cSld>
@@ -8718,7 +9450,7 @@
           <p:cNvPr id="2" name="Title 1">
             <a:extLst>
               <a:ext uri="{FF2B5EF4-FFF2-40B4-BE49-F238E27FC236}">
-                <a16:creationId xmlns:a16="http://schemas.microsoft.com/office/drawing/2014/main" id="{382F8F47-B500-CD46-B123-61364CE73F2E}"/>
+                <a16:creationId xmlns:a16="http://schemas.microsoft.com/office/drawing/2014/main" id="{7A03F8A2-9573-A946-9DEB-155A25324CA0}"/>
               </a:ext>
             </a:extLst>
           </p:cNvPr>
@@ -8736,44 +9468,40 @@
           <a:p>
             <a:r>
               <a:rPr lang="fi-FI" dirty="0"/>
-              <a:t>DAG</a:t>
-            </a:r>
-          </a:p>
-        </p:txBody>
-      </p:sp>
-      <p:pic>
-        <p:nvPicPr>
-          <p:cNvPr id="9" name="Content Placeholder 8">
+              <a:t>Kiva matriisi ETL-kentästä</a:t>
+            </a:r>
+          </a:p>
+        </p:txBody>
+      </p:sp>
+      <p:sp>
+        <p:nvSpPr>
+          <p:cNvPr id="3" name="Content Placeholder 2">
             <a:extLst>
               <a:ext uri="{FF2B5EF4-FFF2-40B4-BE49-F238E27FC236}">
-                <a16:creationId xmlns:a16="http://schemas.microsoft.com/office/drawing/2014/main" id="{9A0B3956-95FB-E046-9A61-CE2F281043EF}"/>
+                <a16:creationId xmlns:a16="http://schemas.microsoft.com/office/drawing/2014/main" id="{0C4C8742-A772-E141-9E6C-6B6D6A300D54}"/>
               </a:ext>
             </a:extLst>
           </p:cNvPr>
-          <p:cNvPicPr>
-            <a:picLocks noGrp="1" noChangeAspect="1"/>
-          </p:cNvPicPr>
+          <p:cNvSpPr>
+            <a:spLocks noGrp="1"/>
+          </p:cNvSpPr>
           <p:nvPr>
             <p:ph idx="1"/>
           </p:nvPr>
-        </p:nvPicPr>
-        <p:blipFill>
-          <a:blip r:embed="rId2"/>
-          <a:stretch>
-            <a:fillRect/>
-          </a:stretch>
-        </p:blipFill>
-        <p:spPr>
-          <a:xfrm>
-            <a:off x="2412999" y="2804447"/>
-            <a:ext cx="7366000" cy="3263900"/>
-          </a:xfrm>
-        </p:spPr>
-      </p:pic>
+        </p:nvSpPr>
+        <p:spPr/>
+        <p:txBody>
+          <a:bodyPr/>
+          <a:lstStyle/>
+          <a:p>
+            <a:endParaRPr lang="fi-FI" dirty="0"/>
+          </a:p>
+        </p:txBody>
+      </p:sp>
     </p:spTree>
     <p:extLst>
       <p:ext uri="{BB962C8B-B14F-4D97-AF65-F5344CB8AC3E}">
-        <p14:creationId xmlns:p14="http://schemas.microsoft.com/office/powerpoint/2010/main" val="100876638"/>
+        <p14:creationId xmlns:p14="http://schemas.microsoft.com/office/powerpoint/2010/main" val="1753912804"/>
       </p:ext>
     </p:extLst>
   </p:cSld>
